--- a/4. Cloture/Poster.pptx
+++ b/4. Cloture/Poster.pptx
@@ -243,7 +243,7 @@
           <a:p>
             <a:fld id="{E0381BB4-C990-4DF4-8959-6F2C2E612988}" type="datetimeFigureOut">
               <a:rPr lang="fr-CH" smtClean="0"/>
-              <a:t>28.05.2015</a:t>
+              <a:t>31.05.2015</a:t>
             </a:fld>
             <a:endParaRPr lang="fr-CH"/>
           </a:p>
@@ -420,7 +420,7 @@
           <a:p>
             <a:fld id="{E0381BB4-C990-4DF4-8959-6F2C2E612988}" type="datetimeFigureOut">
               <a:rPr lang="fr-CH" smtClean="0"/>
-              <a:t>28.05.2015</a:t>
+              <a:t>31.05.2015</a:t>
             </a:fld>
             <a:endParaRPr lang="fr-CH"/>
           </a:p>
@@ -600,7 +600,7 @@
           <a:p>
             <a:fld id="{E0381BB4-C990-4DF4-8959-6F2C2E612988}" type="datetimeFigureOut">
               <a:rPr lang="fr-CH" smtClean="0"/>
-              <a:t>28.05.2015</a:t>
+              <a:t>31.05.2015</a:t>
             </a:fld>
             <a:endParaRPr lang="fr-CH"/>
           </a:p>
@@ -770,7 +770,7 @@
           <a:p>
             <a:fld id="{E0381BB4-C990-4DF4-8959-6F2C2E612988}" type="datetimeFigureOut">
               <a:rPr lang="fr-CH" smtClean="0"/>
-              <a:t>28.05.2015</a:t>
+              <a:t>31.05.2015</a:t>
             </a:fld>
             <a:endParaRPr lang="fr-CH"/>
           </a:p>
@@ -1021,7 +1021,7 @@
           <a:p>
             <a:fld id="{E0381BB4-C990-4DF4-8959-6F2C2E612988}" type="datetimeFigureOut">
               <a:rPr lang="fr-CH" smtClean="0"/>
-              <a:t>28.05.2015</a:t>
+              <a:t>31.05.2015</a:t>
             </a:fld>
             <a:endParaRPr lang="fr-CH"/>
           </a:p>
@@ -1260,7 +1260,7 @@
           <a:p>
             <a:fld id="{E0381BB4-C990-4DF4-8959-6F2C2E612988}" type="datetimeFigureOut">
               <a:rPr lang="fr-CH" smtClean="0"/>
-              <a:t>28.05.2015</a:t>
+              <a:t>31.05.2015</a:t>
             </a:fld>
             <a:endParaRPr lang="fr-CH"/>
           </a:p>
@@ -1634,7 +1634,7 @@
           <a:p>
             <a:fld id="{E0381BB4-C990-4DF4-8959-6F2C2E612988}" type="datetimeFigureOut">
               <a:rPr lang="fr-CH" smtClean="0"/>
-              <a:t>28.05.2015</a:t>
+              <a:t>31.05.2015</a:t>
             </a:fld>
             <a:endParaRPr lang="fr-CH"/>
           </a:p>
@@ -1752,7 +1752,7 @@
           <a:p>
             <a:fld id="{E0381BB4-C990-4DF4-8959-6F2C2E612988}" type="datetimeFigureOut">
               <a:rPr lang="fr-CH" smtClean="0"/>
-              <a:t>28.05.2015</a:t>
+              <a:t>31.05.2015</a:t>
             </a:fld>
             <a:endParaRPr lang="fr-CH"/>
           </a:p>
@@ -1847,7 +1847,7 @@
           <a:p>
             <a:fld id="{E0381BB4-C990-4DF4-8959-6F2C2E612988}" type="datetimeFigureOut">
               <a:rPr lang="fr-CH" smtClean="0"/>
-              <a:t>28.05.2015</a:t>
+              <a:t>31.05.2015</a:t>
             </a:fld>
             <a:endParaRPr lang="fr-CH"/>
           </a:p>
@@ -2124,7 +2124,7 @@
           <a:p>
             <a:fld id="{E0381BB4-C990-4DF4-8959-6F2C2E612988}" type="datetimeFigureOut">
               <a:rPr lang="fr-CH" smtClean="0"/>
-              <a:t>28.05.2015</a:t>
+              <a:t>31.05.2015</a:t>
             </a:fld>
             <a:endParaRPr lang="fr-CH"/>
           </a:p>
@@ -2381,7 +2381,7 @@
           <a:p>
             <a:fld id="{E0381BB4-C990-4DF4-8959-6F2C2E612988}" type="datetimeFigureOut">
               <a:rPr lang="fr-CH" smtClean="0"/>
-              <a:t>28.05.2015</a:t>
+              <a:t>31.05.2015</a:t>
             </a:fld>
             <a:endParaRPr lang="fr-CH"/>
           </a:p>
@@ -2594,7 +2594,7 @@
           <a:p>
             <a:fld id="{E0381BB4-C990-4DF4-8959-6F2C2E612988}" type="datetimeFigureOut">
               <a:rPr lang="fr-CH" smtClean="0"/>
-              <a:t>28.05.2015</a:t>
+              <a:t>31.05.2015</a:t>
             </a:fld>
             <a:endParaRPr lang="fr-CH"/>
           </a:p>
@@ -3008,30 +3008,33 @@
       </p:grpSpPr>
       <p:sp>
         <p:nvSpPr>
-          <p:cNvPr id="30" name="Rectangle 29"/>
+          <p:cNvPr id="36" name="Rectangle 35"/>
           <p:cNvSpPr/>
           <p:nvPr/>
         </p:nvSpPr>
         <p:spPr>
           <a:xfrm>
-            <a:off x="0" y="32477484"/>
-            <a:ext cx="30275213" cy="9265850"/>
+            <a:off x="0" y="5769923"/>
+            <a:ext cx="30275213" cy="37771100"/>
           </a:xfrm>
           <a:prstGeom prst="rect">
             <a:avLst/>
           </a:prstGeom>
           <a:solidFill>
             <a:schemeClr val="accent1">
-              <a:lumMod val="75000"/>
+              <a:lumMod val="20000"/>
+              <a:lumOff val="80000"/>
             </a:schemeClr>
           </a:solidFill>
-          <a:ln>
-            <a:solidFill>
+          <a:effectLst>
+            <a:glow rad="101600">
               <a:schemeClr val="accent1">
-                <a:lumMod val="75000"/>
+                <a:satMod val="175000"/>
+                <a:alpha val="40000"/>
               </a:schemeClr>
-            </a:solidFill>
-          </a:ln>
+            </a:glow>
+            <a:softEdge rad="317500"/>
+          </a:effectLst>
         </p:spPr>
         <p:style>
           <a:lnRef idx="2">
@@ -3060,144 +3063,6 @@
       </p:sp>
       <p:sp>
         <p:nvSpPr>
-          <p:cNvPr id="29" name="Rectangle 28"/>
-          <p:cNvSpPr/>
-          <p:nvPr/>
-        </p:nvSpPr>
-        <p:spPr>
-          <a:xfrm>
-            <a:off x="-1" y="23956591"/>
-            <a:ext cx="30275213" cy="8520893"/>
-          </a:xfrm>
-          <a:prstGeom prst="rect">
-            <a:avLst/>
-          </a:prstGeom>
-          <a:solidFill>
-            <a:schemeClr val="accent1">
-              <a:lumMod val="60000"/>
-              <a:lumOff val="40000"/>
-            </a:schemeClr>
-          </a:solidFill>
-        </p:spPr>
-        <p:style>
-          <a:lnRef idx="2">
-            <a:schemeClr val="accent1">
-              <a:shade val="50000"/>
-            </a:schemeClr>
-          </a:lnRef>
-          <a:fillRef idx="1">
-            <a:schemeClr val="accent1"/>
-          </a:fillRef>
-          <a:effectRef idx="0">
-            <a:schemeClr val="accent1"/>
-          </a:effectRef>
-          <a:fontRef idx="minor">
-            <a:schemeClr val="lt1"/>
-          </a:fontRef>
-        </p:style>
-        <p:txBody>
-          <a:bodyPr rtlCol="0" anchor="ctr"/>
-          <a:lstStyle/>
-          <a:p>
-            <a:pPr algn="ctr"/>
-            <a:endParaRPr lang="fr-CH"/>
-          </a:p>
-        </p:txBody>
-      </p:sp>
-      <p:sp>
-        <p:nvSpPr>
-          <p:cNvPr id="28" name="Rectangle 27"/>
-          <p:cNvSpPr/>
-          <p:nvPr/>
-        </p:nvSpPr>
-        <p:spPr>
-          <a:xfrm>
-            <a:off x="-71697" y="14422915"/>
-            <a:ext cx="30275213" cy="9549921"/>
-          </a:xfrm>
-          <a:prstGeom prst="rect">
-            <a:avLst/>
-          </a:prstGeom>
-          <a:solidFill>
-            <a:schemeClr val="accent1">
-              <a:lumMod val="40000"/>
-              <a:lumOff val="60000"/>
-            </a:schemeClr>
-          </a:solidFill>
-        </p:spPr>
-        <p:style>
-          <a:lnRef idx="2">
-            <a:schemeClr val="accent1">
-              <a:shade val="50000"/>
-            </a:schemeClr>
-          </a:lnRef>
-          <a:fillRef idx="1">
-            <a:schemeClr val="accent1"/>
-          </a:fillRef>
-          <a:effectRef idx="0">
-            <a:schemeClr val="accent1"/>
-          </a:effectRef>
-          <a:fontRef idx="minor">
-            <a:schemeClr val="lt1"/>
-          </a:fontRef>
-        </p:style>
-        <p:txBody>
-          <a:bodyPr rtlCol="0" anchor="ctr"/>
-          <a:lstStyle/>
-          <a:p>
-            <a:pPr algn="ctr"/>
-            <a:endParaRPr lang="fr-CH"/>
-          </a:p>
-        </p:txBody>
-      </p:sp>
-      <p:sp>
-        <p:nvSpPr>
-          <p:cNvPr id="27" name="Rectangle 26"/>
-          <p:cNvSpPr/>
-          <p:nvPr/>
-        </p:nvSpPr>
-        <p:spPr>
-          <a:xfrm>
-            <a:off x="-34044" y="5409387"/>
-            <a:ext cx="30275213" cy="8927938"/>
-          </a:xfrm>
-          <a:prstGeom prst="rect">
-            <a:avLst/>
-          </a:prstGeom>
-          <a:solidFill>
-            <a:schemeClr val="accent1">
-              <a:lumMod val="20000"/>
-              <a:lumOff val="80000"/>
-            </a:schemeClr>
-          </a:solidFill>
-        </p:spPr>
-        <p:style>
-          <a:lnRef idx="2">
-            <a:schemeClr val="accent1">
-              <a:shade val="50000"/>
-            </a:schemeClr>
-          </a:lnRef>
-          <a:fillRef idx="1">
-            <a:schemeClr val="accent1"/>
-          </a:fillRef>
-          <a:effectRef idx="0">
-            <a:schemeClr val="accent1"/>
-          </a:effectRef>
-          <a:fontRef idx="minor">
-            <a:schemeClr val="lt1"/>
-          </a:fontRef>
-        </p:style>
-        <p:txBody>
-          <a:bodyPr rtlCol="0" anchor="ctr"/>
-          <a:lstStyle/>
-          <a:p>
-            <a:pPr algn="ctr"/>
-            <a:endParaRPr lang="fr-CH"/>
-          </a:p>
-        </p:txBody>
-      </p:sp>
-      <p:sp>
-        <p:nvSpPr>
           <p:cNvPr id="20" name="Rectangle 19"/>
           <p:cNvSpPr/>
           <p:nvPr/>
@@ -3205,7 +3070,7 @@
         <p:spPr>
           <a:xfrm>
             <a:off x="-30570" y="-7789"/>
-            <a:ext cx="30275213" cy="5417175"/>
+            <a:ext cx="30305783" cy="5777712"/>
           </a:xfrm>
           <a:prstGeom prst="rect">
             <a:avLst/>
@@ -3246,411 +3111,6 @@
       </p:sp>
       <p:sp>
         <p:nvSpPr>
-          <p:cNvPr id="8" name="Rectangle à coins arrondis 7"/>
-          <p:cNvSpPr/>
-          <p:nvPr/>
-        </p:nvSpPr>
-        <p:spPr>
-          <a:xfrm>
-            <a:off x="1089314" y="6316387"/>
-            <a:ext cx="11084435" cy="7035049"/>
-          </a:xfrm>
-          <a:prstGeom prst="roundRect">
-            <a:avLst/>
-          </a:prstGeom>
-        </p:spPr>
-        <p:style>
-          <a:lnRef idx="2">
-            <a:schemeClr val="accent1">
-              <a:shade val="50000"/>
-            </a:schemeClr>
-          </a:lnRef>
-          <a:fillRef idx="1">
-            <a:schemeClr val="accent1"/>
-          </a:fillRef>
-          <a:effectRef idx="0">
-            <a:schemeClr val="accent1"/>
-          </a:effectRef>
-          <a:fontRef idx="minor">
-            <a:schemeClr val="lt1"/>
-          </a:fontRef>
-        </p:style>
-        <p:txBody>
-          <a:bodyPr rtlCol="0" anchor="ctr"/>
-          <a:lstStyle/>
-          <a:p>
-            <a:pPr algn="ctr"/>
-            <a:r>
-              <a:rPr lang="fr-CH" sz="4400" dirty="0">
-                <a:solidFill>
-                  <a:schemeClr val="bg1"/>
-                </a:solidFill>
-              </a:rPr>
-              <a:t>Vous voulez construire 3 étagères, et vous avez 5 mètres de bois à disposition.</a:t>
-            </a:r>
-          </a:p>
-          <a:p>
-            <a:pPr algn="ctr"/>
-            <a:r>
-              <a:rPr lang="fr-CH" sz="4400" dirty="0">
-                <a:solidFill>
-                  <a:schemeClr val="bg1"/>
-                </a:solidFill>
-              </a:rPr>
-              <a:t>Vous aimeriez que la </a:t>
-            </a:r>
-            <a:r>
-              <a:rPr lang="fr-CH" sz="4400" dirty="0" smtClean="0">
-                <a:solidFill>
-                  <a:schemeClr val="bg1"/>
-                </a:solidFill>
-              </a:rPr>
-              <a:t>longueur </a:t>
-            </a:r>
-            <a:r>
-              <a:rPr lang="fr-CH" sz="4400" dirty="0">
-                <a:solidFill>
-                  <a:schemeClr val="bg1"/>
-                </a:solidFill>
-              </a:rPr>
-              <a:t>de la 1ère étagère soit supérieur de 5 mètres à 3 fois </a:t>
-            </a:r>
-          </a:p>
-          <a:p>
-            <a:pPr algn="ctr"/>
-            <a:r>
-              <a:rPr lang="fr-CH" sz="4400" dirty="0">
-                <a:solidFill>
-                  <a:schemeClr val="bg1"/>
-                </a:solidFill>
-              </a:rPr>
-              <a:t>la longueur de la 3e étagère moins la longueur de la 2e.</a:t>
-            </a:r>
-          </a:p>
-          <a:p>
-            <a:pPr algn="ctr"/>
-            <a:r>
-              <a:rPr lang="fr-CH" sz="4400" dirty="0">
-                <a:solidFill>
-                  <a:schemeClr val="bg1"/>
-                </a:solidFill>
-              </a:rPr>
-              <a:t>De plus vous voulez que la 3e étagère soit 2 fois plus petite que la 1e étagère.</a:t>
-            </a:r>
-          </a:p>
-          <a:p>
-            <a:pPr algn="ctr"/>
-            <a:r>
-              <a:rPr lang="fr-CH" sz="4400" dirty="0">
-                <a:solidFill>
-                  <a:schemeClr val="bg1"/>
-                </a:solidFill>
-              </a:rPr>
-              <a:t>Vous souhaitez ne pas gaspiller de bois et tout utiliser</a:t>
-            </a:r>
-            <a:r>
-              <a:rPr lang="fr-CH" sz="4400" dirty="0" smtClean="0">
-                <a:solidFill>
-                  <a:schemeClr val="bg1"/>
-                </a:solidFill>
-              </a:rPr>
-              <a:t>.</a:t>
-            </a:r>
-            <a:endParaRPr lang="fr-CH" sz="4400" dirty="0">
-              <a:solidFill>
-                <a:schemeClr val="bg1"/>
-              </a:solidFill>
-            </a:endParaRPr>
-          </a:p>
-        </p:txBody>
-      </p:sp>
-      <p:sp>
-        <p:nvSpPr>
-          <p:cNvPr id="12" name="Flèche droite 11"/>
-          <p:cNvSpPr/>
-          <p:nvPr/>
-        </p:nvSpPr>
-        <p:spPr>
-          <a:xfrm rot="2470314">
-            <a:off x="12441960" y="15886379"/>
-            <a:ext cx="5513321" cy="1338457"/>
-          </a:xfrm>
-          <a:prstGeom prst="rightArrow">
-            <a:avLst>
-              <a:gd name="adj1" fmla="val 25940"/>
-              <a:gd name="adj2" fmla="val 44996"/>
-            </a:avLst>
-          </a:prstGeom>
-        </p:spPr>
-        <p:style>
-          <a:lnRef idx="2">
-            <a:schemeClr val="accent1">
-              <a:shade val="50000"/>
-            </a:schemeClr>
-          </a:lnRef>
-          <a:fillRef idx="1">
-            <a:schemeClr val="accent1"/>
-          </a:fillRef>
-          <a:effectRef idx="0">
-            <a:schemeClr val="accent1"/>
-          </a:effectRef>
-          <a:fontRef idx="minor">
-            <a:schemeClr val="lt1"/>
-          </a:fontRef>
-        </p:style>
-        <p:txBody>
-          <a:bodyPr rtlCol="0" anchor="ctr"/>
-          <a:lstStyle/>
-          <a:p>
-            <a:pPr algn="ctr"/>
-            <a:endParaRPr lang="fr-CH"/>
-          </a:p>
-        </p:txBody>
-      </p:sp>
-      <p:sp>
-        <p:nvSpPr>
-          <p:cNvPr id="13" name="Rectangle à coins arrondis 12"/>
-          <p:cNvSpPr/>
-          <p:nvPr/>
-        </p:nvSpPr>
-        <p:spPr>
-          <a:xfrm>
-            <a:off x="18127588" y="32951330"/>
-            <a:ext cx="10934523" cy="8271120"/>
-          </a:xfrm>
-          <a:prstGeom prst="roundRect">
-            <a:avLst/>
-          </a:prstGeom>
-        </p:spPr>
-        <p:style>
-          <a:lnRef idx="2">
-            <a:schemeClr val="accent1">
-              <a:shade val="50000"/>
-            </a:schemeClr>
-          </a:lnRef>
-          <a:fillRef idx="1">
-            <a:schemeClr val="accent1"/>
-          </a:fillRef>
-          <a:effectRef idx="0">
-            <a:schemeClr val="accent1"/>
-          </a:effectRef>
-          <a:fontRef idx="minor">
-            <a:schemeClr val="lt1"/>
-          </a:fontRef>
-        </p:style>
-        <p:txBody>
-          <a:bodyPr rtlCol="0" anchor="ctr"/>
-          <a:lstStyle/>
-          <a:p>
-            <a:pPr algn="ctr"/>
-            <a:endParaRPr lang="fr-CH" sz="4400" dirty="0"/>
-          </a:p>
-        </p:txBody>
-      </p:sp>
-      <p:sp>
-        <p:nvSpPr>
-          <p:cNvPr id="14" name="Rectangle à coins arrondis 13"/>
-          <p:cNvSpPr/>
-          <p:nvPr/>
-        </p:nvSpPr>
-        <p:spPr>
-          <a:xfrm>
-            <a:off x="884909" y="26045062"/>
-            <a:ext cx="11186908" cy="5448514"/>
-          </a:xfrm>
-          <a:prstGeom prst="roundRect">
-            <a:avLst/>
-          </a:prstGeom>
-        </p:spPr>
-        <p:style>
-          <a:lnRef idx="2">
-            <a:schemeClr val="accent1">
-              <a:shade val="50000"/>
-            </a:schemeClr>
-          </a:lnRef>
-          <a:fillRef idx="1">
-            <a:schemeClr val="accent1"/>
-          </a:fillRef>
-          <a:effectRef idx="0">
-            <a:schemeClr val="accent1"/>
-          </a:effectRef>
-          <a:fontRef idx="minor">
-            <a:schemeClr val="lt1"/>
-          </a:fontRef>
-        </p:style>
-        <p:txBody>
-          <a:bodyPr rtlCol="0" anchor="ctr"/>
-          <a:lstStyle/>
-          <a:p>
-            <a:pPr algn="ctr"/>
-            <a:r>
-              <a:rPr lang="fr-CH" sz="8800" dirty="0"/>
-              <a:t>z = 0.8 mètre</a:t>
-            </a:r>
-          </a:p>
-          <a:p>
-            <a:pPr algn="ctr"/>
-            <a:r>
-              <a:rPr lang="fr-CH" sz="8800" dirty="0"/>
-              <a:t>X = 1.6 mètres</a:t>
-            </a:r>
-          </a:p>
-          <a:p>
-            <a:pPr algn="ctr"/>
-            <a:r>
-              <a:rPr lang="fr-CH" sz="8800" dirty="0"/>
-              <a:t>y = 2.6 mètres</a:t>
-            </a:r>
-            <a:endParaRPr lang="fr-CH" sz="8800" dirty="0"/>
-          </a:p>
-        </p:txBody>
-      </p:sp>
-      <p:sp>
-        <p:nvSpPr>
-          <p:cNvPr id="15" name="Rectangle à coins arrondis 14"/>
-          <p:cNvSpPr/>
-          <p:nvPr/>
-        </p:nvSpPr>
-        <p:spPr>
-          <a:xfrm>
-            <a:off x="18342765" y="16397281"/>
-            <a:ext cx="10504171" cy="5601187"/>
-          </a:xfrm>
-          <a:prstGeom prst="roundRect">
-            <a:avLst/>
-          </a:prstGeom>
-        </p:spPr>
-        <p:style>
-          <a:lnRef idx="2">
-            <a:schemeClr val="accent1">
-              <a:shade val="50000"/>
-            </a:schemeClr>
-          </a:lnRef>
-          <a:fillRef idx="1">
-            <a:schemeClr val="accent1"/>
-          </a:fillRef>
-          <a:effectRef idx="0">
-            <a:schemeClr val="accent1"/>
-          </a:effectRef>
-          <a:fontRef idx="minor">
-            <a:schemeClr val="lt1"/>
-          </a:fontRef>
-        </p:style>
-        <p:txBody>
-          <a:bodyPr rtlCol="0" anchor="ctr"/>
-          <a:lstStyle/>
-          <a:p>
-            <a:pPr algn="ctr"/>
-            <a:r>
-              <a:rPr lang="pl-PL" sz="8800" dirty="0"/>
-              <a:t>x + y + z = 5</a:t>
-            </a:r>
-          </a:p>
-          <a:p>
-            <a:pPr algn="ctr"/>
-            <a:r>
-              <a:rPr lang="pl-PL" sz="8800" dirty="0"/>
-              <a:t>x - 5 = -y + 3z</a:t>
-            </a:r>
-          </a:p>
-          <a:p>
-            <a:pPr algn="ctr"/>
-            <a:r>
-              <a:rPr lang="pl-PL" sz="8800" dirty="0"/>
-              <a:t>z = 0.5x</a:t>
-            </a:r>
-            <a:endParaRPr lang="fr-CH" sz="8800" dirty="0"/>
-          </a:p>
-        </p:txBody>
-      </p:sp>
-      <p:sp>
-        <p:nvSpPr>
-          <p:cNvPr id="16" name="Flèche droite 15"/>
-          <p:cNvSpPr/>
-          <p:nvPr/>
-        </p:nvSpPr>
-        <p:spPr>
-          <a:xfrm rot="2437541">
-            <a:off x="11953642" y="34549631"/>
-            <a:ext cx="4811560" cy="1250911"/>
-          </a:xfrm>
-          <a:prstGeom prst="rightArrow">
-            <a:avLst>
-              <a:gd name="adj1" fmla="val 25940"/>
-              <a:gd name="adj2" fmla="val 44996"/>
-            </a:avLst>
-          </a:prstGeom>
-        </p:spPr>
-        <p:style>
-          <a:lnRef idx="2">
-            <a:schemeClr val="accent1">
-              <a:shade val="50000"/>
-            </a:schemeClr>
-          </a:lnRef>
-          <a:fillRef idx="1">
-            <a:schemeClr val="accent1"/>
-          </a:fillRef>
-          <a:effectRef idx="0">
-            <a:schemeClr val="accent1"/>
-          </a:effectRef>
-          <a:fontRef idx="minor">
-            <a:schemeClr val="lt1"/>
-          </a:fontRef>
-        </p:style>
-        <p:txBody>
-          <a:bodyPr rtlCol="0" anchor="ctr"/>
-          <a:lstStyle/>
-          <a:p>
-            <a:pPr algn="ctr"/>
-            <a:endParaRPr lang="fr-CH"/>
-          </a:p>
-        </p:txBody>
-      </p:sp>
-      <p:sp>
-        <p:nvSpPr>
-          <p:cNvPr id="17" name="Flèche droite 16"/>
-          <p:cNvSpPr/>
-          <p:nvPr/>
-        </p:nvSpPr>
-        <p:spPr>
-          <a:xfrm rot="8160520">
-            <a:off x="12669649" y="25510765"/>
-            <a:ext cx="5480922" cy="1387295"/>
-          </a:xfrm>
-          <a:prstGeom prst="rightArrow">
-            <a:avLst>
-              <a:gd name="adj1" fmla="val 25940"/>
-              <a:gd name="adj2" fmla="val 44996"/>
-            </a:avLst>
-          </a:prstGeom>
-        </p:spPr>
-        <p:style>
-          <a:lnRef idx="2">
-            <a:schemeClr val="accent1">
-              <a:shade val="50000"/>
-            </a:schemeClr>
-          </a:lnRef>
-          <a:fillRef idx="1">
-            <a:schemeClr val="accent1"/>
-          </a:fillRef>
-          <a:effectRef idx="0">
-            <a:schemeClr val="accent1"/>
-          </a:effectRef>
-          <a:fontRef idx="minor">
-            <a:schemeClr val="lt1"/>
-          </a:fontRef>
-        </p:style>
-        <p:txBody>
-          <a:bodyPr rtlCol="0" anchor="ctr"/>
-          <a:lstStyle/>
-          <a:p>
-            <a:pPr algn="ctr"/>
-            <a:endParaRPr lang="fr-CH"/>
-          </a:p>
-        </p:txBody>
-      </p:sp>
-      <p:sp>
-        <p:nvSpPr>
           <p:cNvPr id="18" name="ZoneTexte 17"/>
           <p:cNvSpPr txBox="1"/>
           <p:nvPr/>
@@ -3887,7 +3347,7 @@
         <p:spPr>
           <a:xfrm>
             <a:off x="-386134" y="4572826"/>
-            <a:ext cx="30305784" cy="707886"/>
+            <a:ext cx="30305784" cy="646331"/>
           </a:xfrm>
           <a:prstGeom prst="rect">
             <a:avLst/>
@@ -3902,18 +3362,18 @@
           <a:p>
             <a:pPr algn="ctr"/>
             <a:r>
-              <a:rPr lang="fr-CH" sz="4000" dirty="0" smtClean="0"/>
+              <a:rPr lang="fr-CH" sz="3600" dirty="0" smtClean="0"/>
               <a:t>Professeur responsable: </a:t>
             </a:r>
             <a:r>
-              <a:rPr lang="fr-CH" sz="4000" dirty="0" err="1" smtClean="0"/>
+              <a:rPr lang="fr-CH" sz="3600" dirty="0" err="1" smtClean="0"/>
               <a:t>Stephane</a:t>
             </a:r>
             <a:r>
-              <a:rPr lang="fr-CH" sz="4000" dirty="0" smtClean="0"/>
+              <a:rPr lang="fr-CH" sz="3600" dirty="0" smtClean="0"/>
               <a:t> Gobron</a:t>
             </a:r>
-            <a:endParaRPr lang="fr-CH" sz="4000" dirty="0"/>
+            <a:endParaRPr lang="fr-CH" sz="3600" dirty="0"/>
           </a:p>
         </p:txBody>
       </p:sp>
@@ -3925,8 +3385,8 @@
         </p:nvSpPr>
         <p:spPr>
           <a:xfrm>
-            <a:off x="15819279" y="7206166"/>
-            <a:ext cx="10911840" cy="5571205"/>
+            <a:off x="774185" y="8085197"/>
+            <a:ext cx="11279713" cy="3970318"/>
           </a:xfrm>
           <a:prstGeom prst="rect">
             <a:avLst/>
@@ -3939,19 +3399,25 @@
           </a:bodyPr>
           <a:lstStyle/>
           <a:p>
-            <a:pPr algn="ctr"/>
+            <a:r>
+              <a:rPr lang="fr-CH" sz="7200" b="1" dirty="0" smtClean="0"/>
+              <a:t>Description du </a:t>
+            </a:r>
+            <a:r>
+              <a:rPr lang="fr-CH" sz="7200" b="1" dirty="0" smtClean="0"/>
+              <a:t>problème</a:t>
+            </a:r>
             <a:r>
               <a:rPr lang="fr-CH" b="1" dirty="0" smtClean="0"/>
-              <a:t>Description du problème:</a:t>
+              <a:t/>
             </a:r>
             <a:br>
               <a:rPr lang="fr-CH" b="1" dirty="0" smtClean="0"/>
             </a:br>
             <a:r>
-              <a:rPr lang="fr-CH" sz="7200" dirty="0"/>
+              <a:rPr lang="fr-CH" sz="6000" dirty="0"/>
               <a:t>Ne vous affolez pas ! Ce problème peut aisément être résolu à l'aide de simple système </a:t>
             </a:r>
-            <a:endParaRPr lang="fr-CH" sz="7200" dirty="0"/>
           </a:p>
         </p:txBody>
       </p:sp>
@@ -3963,7 +3429,7 @@
         </p:nvSpPr>
         <p:spPr>
           <a:xfrm>
-            <a:off x="1456904" y="17135469"/>
+            <a:off x="958121" y="16872250"/>
             <a:ext cx="10911840" cy="4279890"/>
           </a:xfrm>
           <a:prstGeom prst="rect">
@@ -3979,7 +3445,15 @@
           <a:p>
             <a:r>
               <a:rPr lang="fr-CH" b="1" dirty="0" smtClean="0"/>
-              <a:t>Vulgarisation mathématique:</a:t>
+              <a:t>Vulgarisation </a:t>
+            </a:r>
+            <a:r>
+              <a:rPr lang="fr-CH" b="1" dirty="0" smtClean="0"/>
+              <a:t>mathématique</a:t>
+            </a:r>
+            <a:r>
+              <a:rPr lang="fr-CH" b="1" dirty="0" smtClean="0"/>
+              <a:t/>
             </a:r>
             <a:br>
               <a:rPr lang="fr-CH" b="1" dirty="0" smtClean="0"/>
@@ -4000,7 +3474,7 @@
         </p:nvSpPr>
         <p:spPr>
           <a:xfrm>
-            <a:off x="17810035" y="26993243"/>
+            <a:off x="774185" y="26034017"/>
             <a:ext cx="10911840" cy="3233001"/>
           </a:xfrm>
           <a:prstGeom prst="rect">
@@ -4016,7 +3490,15 @@
           <a:p>
             <a:r>
               <a:rPr lang="fr-CH" b="1" dirty="0" smtClean="0"/>
-              <a:t>Résolution algébrique:</a:t>
+              <a:t>Résolution </a:t>
+            </a:r>
+            <a:r>
+              <a:rPr lang="fr-CH" b="1" dirty="0" smtClean="0"/>
+              <a:t>algébrique</a:t>
+            </a:r>
+            <a:r>
+              <a:rPr lang="fr-CH" b="1" dirty="0" smtClean="0"/>
+              <a:t/>
             </a:r>
             <a:br>
               <a:rPr lang="fr-CH" b="1" dirty="0" smtClean="0"/>
@@ -4045,7 +3527,7 @@
         </p:nvSpPr>
         <p:spPr>
           <a:xfrm>
-            <a:off x="1771171" y="36020676"/>
+            <a:off x="854363" y="36052155"/>
             <a:ext cx="10911840" cy="3233001"/>
           </a:xfrm>
           <a:prstGeom prst="rect">
@@ -4061,7 +3543,15 @@
           <a:p>
             <a:r>
               <a:rPr lang="fr-CH" b="1" dirty="0" smtClean="0"/>
-              <a:t>Visualisation géométrique:</a:t>
+              <a:t>Visualisation </a:t>
+            </a:r>
+            <a:r>
+              <a:rPr lang="fr-CH" b="1" dirty="0" smtClean="0"/>
+              <a:t>géométrique</a:t>
+            </a:r>
+            <a:r>
+              <a:rPr lang="fr-CH" b="1" dirty="0" smtClean="0"/>
+              <a:t/>
             </a:r>
             <a:br>
               <a:rPr lang="fr-CH" b="1" dirty="0" smtClean="0"/>
@@ -4076,7 +3566,7 @@
       </p:sp>
       <p:pic>
         <p:nvPicPr>
-          <p:cNvPr id="2" name="Image 1"/>
+          <p:cNvPr id="3" name="Image 2"/>
           <p:cNvPicPr>
             <a:picLocks noChangeAspect="1"/>
           </p:cNvPicPr>
@@ -4096,8 +3586,8 @@
         </p:blipFill>
         <p:spPr>
           <a:xfrm>
-            <a:off x="19205123" y="33319588"/>
-            <a:ext cx="8688012" cy="8897592"/>
+            <a:off x="23865733" y="42162890"/>
+            <a:ext cx="6053917" cy="1012361"/>
           </a:xfrm>
           <a:prstGeom prst="rect">
             <a:avLst/>
@@ -4106,7 +3596,7 @@
       </p:pic>
       <p:pic>
         <p:nvPicPr>
-          <p:cNvPr id="3" name="Image 2"/>
+          <p:cNvPr id="4" name="Image 3"/>
           <p:cNvPicPr>
             <a:picLocks noChangeAspect="1"/>
           </p:cNvPicPr>
@@ -4126,37 +3616,7 @@
         </p:blipFill>
         <p:spPr>
           <a:xfrm>
-            <a:off x="24549018" y="41775377"/>
-            <a:ext cx="6053917" cy="1012361"/>
-          </a:xfrm>
-          <a:prstGeom prst="rect">
-            <a:avLst/>
-          </a:prstGeom>
-        </p:spPr>
-      </p:pic>
-      <p:pic>
-        <p:nvPicPr>
-          <p:cNvPr id="4" name="Image 3"/>
-          <p:cNvPicPr>
-            <a:picLocks noChangeAspect="1"/>
-          </p:cNvPicPr>
-          <p:nvPr/>
-        </p:nvPicPr>
-        <p:blipFill>
-          <a:blip r:embed="rId4">
-            <a:extLst>
-              <a:ext uri="{28A0092B-C50C-407E-A947-70E740481C1C}">
-                <a14:useLocalDpi xmlns:a14="http://schemas.microsoft.com/office/drawing/2010/main" val="0"/>
-              </a:ext>
-            </a:extLst>
-          </a:blip>
-          <a:stretch>
-            <a:fillRect/>
-          </a:stretch>
-        </p:blipFill>
-        <p:spPr>
-          <a:xfrm>
-            <a:off x="-34044" y="41775376"/>
+            <a:off x="465382" y="42214960"/>
             <a:ext cx="3645924" cy="1012361"/>
           </a:xfrm>
           <a:prstGeom prst="rect">
@@ -4164,6 +3624,503 @@
           </a:prstGeom>
         </p:spPr>
       </p:pic>
+      <p:grpSp>
+        <p:nvGrpSpPr>
+          <p:cNvPr id="39" name="Groupe 38"/>
+          <p:cNvGrpSpPr/>
+          <p:nvPr/>
+        </p:nvGrpSpPr>
+        <p:grpSpPr>
+          <a:xfrm>
+            <a:off x="12155006" y="6845072"/>
+            <a:ext cx="17467290" cy="36061255"/>
+            <a:chOff x="12178695" y="6324248"/>
+            <a:chExt cx="17467290" cy="36061255"/>
+          </a:xfrm>
+        </p:grpSpPr>
+        <p:sp>
+          <p:nvSpPr>
+            <p:cNvPr id="14" name="Rectangle à coins arrondis 13"/>
+            <p:cNvSpPr/>
+            <p:nvPr/>
+          </p:nvSpPr>
+          <p:spPr>
+            <a:xfrm>
+              <a:off x="15318885" y="24405437"/>
+              <a:ext cx="11186908" cy="5448514"/>
+            </a:xfrm>
+            <a:prstGeom prst="roundRect">
+              <a:avLst/>
+            </a:prstGeom>
+          </p:spPr>
+          <p:style>
+            <a:lnRef idx="2">
+              <a:schemeClr val="accent1">
+                <a:shade val="50000"/>
+              </a:schemeClr>
+            </a:lnRef>
+            <a:fillRef idx="1">
+              <a:schemeClr val="accent1"/>
+            </a:fillRef>
+            <a:effectRef idx="0">
+              <a:schemeClr val="accent1"/>
+            </a:effectRef>
+            <a:fontRef idx="minor">
+              <a:schemeClr val="lt1"/>
+            </a:fontRef>
+          </p:style>
+          <p:txBody>
+            <a:bodyPr rtlCol="0" anchor="ctr"/>
+            <a:lstStyle/>
+            <a:p>
+              <a:pPr algn="ctr"/>
+              <a:r>
+                <a:rPr lang="fr-CH" sz="8800" dirty="0" smtClean="0"/>
+                <a:t>x </a:t>
+              </a:r>
+              <a:r>
+                <a:rPr lang="fr-CH" sz="8800" dirty="0"/>
+                <a:t>= 1.6 mètres</a:t>
+              </a:r>
+            </a:p>
+            <a:p>
+              <a:pPr algn="ctr"/>
+              <a:r>
+                <a:rPr lang="fr-CH" sz="8800" dirty="0"/>
+                <a:t>y = 2.6 </a:t>
+              </a:r>
+              <a:r>
+                <a:rPr lang="fr-CH" sz="8800" dirty="0" smtClean="0"/>
+                <a:t>mètres</a:t>
+              </a:r>
+              <a:endParaRPr lang="fr-CH" sz="8800" dirty="0" smtClean="0"/>
+            </a:p>
+            <a:p>
+              <a:pPr algn="ctr"/>
+              <a:r>
+                <a:rPr lang="fr-CH" sz="8800" dirty="0" smtClean="0"/>
+                <a:t>z </a:t>
+              </a:r>
+              <a:r>
+                <a:rPr lang="fr-CH" sz="8800" dirty="0"/>
+                <a:t>= 0.8 </a:t>
+              </a:r>
+              <a:r>
+                <a:rPr lang="fr-CH" sz="8800" dirty="0" smtClean="0"/>
+                <a:t>mètre</a:t>
+              </a:r>
+              <a:endParaRPr lang="fr-CH" sz="8800" dirty="0"/>
+            </a:p>
+          </p:txBody>
+        </p:sp>
+        <p:sp>
+          <p:nvSpPr>
+            <p:cNvPr id="15" name="Rectangle à coins arrondis 14"/>
+            <p:cNvSpPr/>
+            <p:nvPr/>
+          </p:nvSpPr>
+          <p:spPr>
+            <a:xfrm>
+              <a:off x="15660254" y="15787233"/>
+              <a:ext cx="10504171" cy="5601187"/>
+            </a:xfrm>
+            <a:prstGeom prst="roundRect">
+              <a:avLst/>
+            </a:prstGeom>
+          </p:spPr>
+          <p:style>
+            <a:lnRef idx="2">
+              <a:schemeClr val="accent1">
+                <a:shade val="50000"/>
+              </a:schemeClr>
+            </a:lnRef>
+            <a:fillRef idx="1">
+              <a:schemeClr val="accent1"/>
+            </a:fillRef>
+            <a:effectRef idx="0">
+              <a:schemeClr val="accent1"/>
+            </a:effectRef>
+            <a:fontRef idx="minor">
+              <a:schemeClr val="lt1"/>
+            </a:fontRef>
+          </p:style>
+          <p:txBody>
+            <a:bodyPr rtlCol="0" anchor="ctr"/>
+            <a:lstStyle/>
+            <a:p>
+              <a:pPr algn="ctr"/>
+              <a:r>
+                <a:rPr lang="pl-PL" sz="8800" dirty="0"/>
+                <a:t>x + y + z = 5</a:t>
+              </a:r>
+            </a:p>
+            <a:p>
+              <a:pPr algn="ctr"/>
+              <a:r>
+                <a:rPr lang="pl-PL" sz="8800" dirty="0"/>
+                <a:t>x </a:t>
+              </a:r>
+              <a:r>
+                <a:rPr lang="pl-PL" sz="8800" dirty="0" smtClean="0"/>
+                <a:t>= 3z</a:t>
+              </a:r>
+              <a:r>
+                <a:rPr lang="fr-CH" sz="8800" dirty="0" smtClean="0"/>
+                <a:t> – y + 5</a:t>
+              </a:r>
+              <a:endParaRPr lang="pl-PL" sz="8800" dirty="0"/>
+            </a:p>
+            <a:p>
+              <a:pPr algn="ctr"/>
+              <a:r>
+                <a:rPr lang="pl-PL" sz="8800" dirty="0"/>
+                <a:t>z = 0.5x</a:t>
+              </a:r>
+              <a:endParaRPr lang="fr-CH" sz="8800" dirty="0"/>
+            </a:p>
+          </p:txBody>
+        </p:sp>
+        <p:grpSp>
+          <p:nvGrpSpPr>
+            <p:cNvPr id="9" name="Groupe 8"/>
+            <p:cNvGrpSpPr/>
+            <p:nvPr/>
+          </p:nvGrpSpPr>
+          <p:grpSpPr>
+            <a:xfrm>
+              <a:off x="15173507" y="32870968"/>
+              <a:ext cx="11477663" cy="9514535"/>
+              <a:chOff x="1100619" y="33115039"/>
+              <a:chExt cx="11477663" cy="9514535"/>
+            </a:xfrm>
+          </p:grpSpPr>
+          <p:sp>
+            <p:nvSpPr>
+              <p:cNvPr id="13" name="Rectangle à coins arrondis 12"/>
+              <p:cNvSpPr/>
+              <p:nvPr/>
+            </p:nvSpPr>
+            <p:spPr>
+              <a:xfrm>
+                <a:off x="1100619" y="33115039"/>
+                <a:ext cx="11477663" cy="8660336"/>
+              </a:xfrm>
+              <a:prstGeom prst="roundRect">
+                <a:avLst/>
+              </a:prstGeom>
+            </p:spPr>
+            <p:style>
+              <a:lnRef idx="2">
+                <a:schemeClr val="accent1">
+                  <a:shade val="50000"/>
+                </a:schemeClr>
+              </a:lnRef>
+              <a:fillRef idx="1">
+                <a:schemeClr val="accent1"/>
+              </a:fillRef>
+              <a:effectRef idx="0">
+                <a:schemeClr val="accent1"/>
+              </a:effectRef>
+              <a:fontRef idx="minor">
+                <a:schemeClr val="lt1"/>
+              </a:fontRef>
+            </p:style>
+            <p:txBody>
+              <a:bodyPr rtlCol="0" anchor="ctr"/>
+              <a:lstStyle/>
+              <a:p>
+                <a:pPr algn="ctr"/>
+                <a:endParaRPr lang="fr-CH" sz="4400" dirty="0"/>
+              </a:p>
+            </p:txBody>
+          </p:sp>
+          <p:pic>
+            <p:nvPicPr>
+              <p:cNvPr id="2" name="Image 1"/>
+              <p:cNvPicPr>
+                <a:picLocks noChangeAspect="1"/>
+              </p:cNvPicPr>
+              <p:nvPr/>
+            </p:nvPicPr>
+            <p:blipFill>
+              <a:blip r:embed="rId4">
+                <a:extLst>
+                  <a:ext uri="{28A0092B-C50C-407E-A947-70E740481C1C}">
+                    <a14:useLocalDpi xmlns:a14="http://schemas.microsoft.com/office/drawing/2010/main" val="0"/>
+                  </a:ext>
+                </a:extLst>
+              </a:blip>
+              <a:stretch>
+                <a:fillRect/>
+              </a:stretch>
+            </p:blipFill>
+            <p:spPr>
+              <a:xfrm>
+                <a:off x="2576354" y="33731982"/>
+                <a:ext cx="8688012" cy="8897592"/>
+              </a:xfrm>
+              <a:prstGeom prst="rect">
+                <a:avLst/>
+              </a:prstGeom>
+            </p:spPr>
+          </p:pic>
+        </p:grpSp>
+        <p:grpSp>
+          <p:nvGrpSpPr>
+            <p:cNvPr id="25" name="Groupe 24"/>
+            <p:cNvGrpSpPr/>
+            <p:nvPr/>
+          </p:nvGrpSpPr>
+          <p:grpSpPr>
+            <a:xfrm>
+              <a:off x="12178695" y="6324248"/>
+              <a:ext cx="17467290" cy="6450569"/>
+              <a:chOff x="12178695" y="6324248"/>
+              <a:chExt cx="17467290" cy="6450569"/>
+            </a:xfrm>
+          </p:grpSpPr>
+          <p:sp>
+            <p:nvSpPr>
+              <p:cNvPr id="8" name="Rectangle à coins arrondis 7"/>
+              <p:cNvSpPr/>
+              <p:nvPr/>
+            </p:nvSpPr>
+            <p:spPr>
+              <a:xfrm>
+                <a:off x="12178695" y="6324248"/>
+                <a:ext cx="17467290" cy="6450569"/>
+              </a:xfrm>
+              <a:prstGeom prst="roundRect">
+                <a:avLst/>
+              </a:prstGeom>
+            </p:spPr>
+            <p:style>
+              <a:lnRef idx="2">
+                <a:schemeClr val="accent1">
+                  <a:shade val="50000"/>
+                </a:schemeClr>
+              </a:lnRef>
+              <a:fillRef idx="1">
+                <a:schemeClr val="accent1"/>
+              </a:fillRef>
+              <a:effectRef idx="0">
+                <a:schemeClr val="accent1"/>
+              </a:effectRef>
+              <a:fontRef idx="minor">
+                <a:schemeClr val="lt1"/>
+              </a:fontRef>
+            </p:style>
+            <p:txBody>
+              <a:bodyPr tIns="36000" bIns="36000" rtlCol="0" anchor="ctr"/>
+              <a:lstStyle/>
+              <a:p>
+                <a:pPr algn="ctr"/>
+                <a:endParaRPr lang="fr-CH" sz="4800" dirty="0">
+                  <a:solidFill>
+                    <a:schemeClr val="bg1"/>
+                  </a:solidFill>
+                </a:endParaRPr>
+              </a:p>
+            </p:txBody>
+          </p:sp>
+          <p:sp>
+            <p:nvSpPr>
+              <p:cNvPr id="5" name="ZoneTexte 4"/>
+              <p:cNvSpPr txBox="1"/>
+              <p:nvPr/>
+            </p:nvSpPr>
+            <p:spPr>
+              <a:xfrm>
+                <a:off x="12877678" y="7261312"/>
+                <a:ext cx="16036938" cy="5262979"/>
+              </a:xfrm>
+              <a:prstGeom prst="rect">
+                <a:avLst/>
+              </a:prstGeom>
+              <a:noFill/>
+            </p:spPr>
+            <p:txBody>
+              <a:bodyPr wrap="square" rtlCol="0">
+                <a:spAutoFit/>
+              </a:bodyPr>
+              <a:lstStyle/>
+              <a:p>
+                <a:pPr algn="just"/>
+                <a:r>
+                  <a:rPr lang="fr-CH" sz="4800" dirty="0">
+                    <a:solidFill>
+                      <a:schemeClr val="bg1"/>
+                    </a:solidFill>
+                  </a:rPr>
+                  <a:t>Vous voulez construire 3 étagères et vous avez 5 mètres de bois.</a:t>
+                </a:r>
+              </a:p>
+              <a:p>
+                <a:pPr algn="just"/>
+                <a:r>
+                  <a:rPr lang="fr-CH" sz="4800" dirty="0">
+                    <a:solidFill>
+                      <a:schemeClr val="bg1"/>
+                    </a:solidFill>
+                  </a:rPr>
+                  <a:t>La longueur de la 1ère étagère doit être supérieure de 5 mètres au triple de la longueur de la 3éme étagère moins la longueur de la 2ème.</a:t>
+                </a:r>
+              </a:p>
+              <a:p>
+                <a:pPr algn="just"/>
+                <a:r>
+                  <a:rPr lang="fr-CH" sz="4800" dirty="0">
+                    <a:solidFill>
+                      <a:schemeClr val="bg1"/>
+                    </a:solidFill>
+                  </a:rPr>
+                  <a:t>De plus vous voulez que la 3e étagère soit 2 fois plus petite que la </a:t>
+                </a:r>
+                <a:r>
+                  <a:rPr lang="fr-CH" sz="4800" dirty="0" smtClean="0">
+                    <a:solidFill>
+                      <a:schemeClr val="bg1"/>
+                    </a:solidFill>
+                  </a:rPr>
+                  <a:t>1ére </a:t>
+                </a:r>
+                <a:r>
+                  <a:rPr lang="fr-CH" sz="4800" dirty="0">
+                    <a:solidFill>
+                      <a:schemeClr val="bg1"/>
+                    </a:solidFill>
+                  </a:rPr>
+                  <a:t>étagère.</a:t>
+                </a:r>
+              </a:p>
+              <a:p>
+                <a:pPr algn="just"/>
+                <a:endParaRPr lang="fr-CH" sz="4800" dirty="0"/>
+              </a:p>
+            </p:txBody>
+          </p:sp>
+        </p:grpSp>
+        <p:sp>
+          <p:nvSpPr>
+            <p:cNvPr id="21" name="Flèche vers le bas 20"/>
+            <p:cNvSpPr/>
+            <p:nvPr/>
+          </p:nvSpPr>
+          <p:spPr>
+            <a:xfrm>
+              <a:off x="20157681" y="30308085"/>
+              <a:ext cx="1273570" cy="2156003"/>
+            </a:xfrm>
+            <a:prstGeom prst="downArrow">
+              <a:avLst/>
+            </a:prstGeom>
+          </p:spPr>
+          <p:style>
+            <a:lnRef idx="2">
+              <a:schemeClr val="accent1">
+                <a:shade val="50000"/>
+              </a:schemeClr>
+            </a:lnRef>
+            <a:fillRef idx="1">
+              <a:schemeClr val="accent1"/>
+            </a:fillRef>
+            <a:effectRef idx="0">
+              <a:schemeClr val="accent1"/>
+            </a:effectRef>
+            <a:fontRef idx="minor">
+              <a:schemeClr val="lt1"/>
+            </a:fontRef>
+          </p:style>
+          <p:txBody>
+            <a:bodyPr rtlCol="0" anchor="ctr"/>
+            <a:lstStyle/>
+            <a:p>
+              <a:pPr algn="ctr"/>
+              <a:endParaRPr lang="fr-CH"/>
+            </a:p>
+          </p:txBody>
+        </p:sp>
+        <p:sp>
+          <p:nvSpPr>
+            <p:cNvPr id="37" name="Flèche vers le bas 36"/>
+            <p:cNvSpPr/>
+            <p:nvPr/>
+          </p:nvSpPr>
+          <p:spPr>
+            <a:xfrm>
+              <a:off x="20361043" y="21778337"/>
+              <a:ext cx="1070208" cy="2387309"/>
+            </a:xfrm>
+            <a:prstGeom prst="downArrow">
+              <a:avLst/>
+            </a:prstGeom>
+          </p:spPr>
+          <p:style>
+            <a:lnRef idx="2">
+              <a:schemeClr val="accent1">
+                <a:shade val="50000"/>
+              </a:schemeClr>
+            </a:lnRef>
+            <a:fillRef idx="1">
+              <a:schemeClr val="accent1"/>
+            </a:fillRef>
+            <a:effectRef idx="0">
+              <a:schemeClr val="accent1"/>
+            </a:effectRef>
+            <a:fontRef idx="minor">
+              <a:schemeClr val="lt1"/>
+            </a:fontRef>
+          </p:style>
+          <p:txBody>
+            <a:bodyPr rtlCol="0" anchor="ctr"/>
+            <a:lstStyle/>
+            <a:p>
+              <a:pPr algn="ctr"/>
+              <a:endParaRPr lang="fr-CH"/>
+            </a:p>
+          </p:txBody>
+        </p:sp>
+        <p:sp>
+          <p:nvSpPr>
+            <p:cNvPr id="38" name="Flèche vers le bas 37"/>
+            <p:cNvSpPr/>
+            <p:nvPr/>
+          </p:nvSpPr>
+          <p:spPr>
+            <a:xfrm>
+              <a:off x="20361043" y="13170076"/>
+              <a:ext cx="1070208" cy="2373086"/>
+            </a:xfrm>
+            <a:prstGeom prst="downArrow">
+              <a:avLst/>
+            </a:prstGeom>
+          </p:spPr>
+          <p:style>
+            <a:lnRef idx="2">
+              <a:schemeClr val="accent1">
+                <a:shade val="50000"/>
+              </a:schemeClr>
+            </a:lnRef>
+            <a:fillRef idx="1">
+              <a:schemeClr val="accent1"/>
+            </a:fillRef>
+            <a:effectRef idx="0">
+              <a:schemeClr val="accent1"/>
+            </a:effectRef>
+            <a:fontRef idx="minor">
+              <a:schemeClr val="lt1"/>
+            </a:fontRef>
+          </p:style>
+          <p:txBody>
+            <a:bodyPr rtlCol="0" anchor="ctr"/>
+            <a:lstStyle/>
+            <a:p>
+              <a:pPr algn="ctr"/>
+              <a:endParaRPr lang="fr-CH"/>
+            </a:p>
+          </p:txBody>
+        </p:sp>
+      </p:grpSp>
     </p:spTree>
     <p:extLst>
       <p:ext uri="{BB962C8B-B14F-4D97-AF65-F5344CB8AC3E}">

--- a/4. Cloture/Poster.pptx
+++ b/4. Cloture/Poster.pptx
@@ -243,7 +243,7 @@
           <a:p>
             <a:fld id="{E0381BB4-C990-4DF4-8959-6F2C2E612988}" type="datetimeFigureOut">
               <a:rPr lang="fr-CH" smtClean="0"/>
-              <a:t>31.05.2015</a:t>
+              <a:t>01.06.2015</a:t>
             </a:fld>
             <a:endParaRPr lang="fr-CH"/>
           </a:p>
@@ -420,7 +420,7 @@
           <a:p>
             <a:fld id="{E0381BB4-C990-4DF4-8959-6F2C2E612988}" type="datetimeFigureOut">
               <a:rPr lang="fr-CH" smtClean="0"/>
-              <a:t>31.05.2015</a:t>
+              <a:t>01.06.2015</a:t>
             </a:fld>
             <a:endParaRPr lang="fr-CH"/>
           </a:p>
@@ -600,7 +600,7 @@
           <a:p>
             <a:fld id="{E0381BB4-C990-4DF4-8959-6F2C2E612988}" type="datetimeFigureOut">
               <a:rPr lang="fr-CH" smtClean="0"/>
-              <a:t>31.05.2015</a:t>
+              <a:t>01.06.2015</a:t>
             </a:fld>
             <a:endParaRPr lang="fr-CH"/>
           </a:p>
@@ -770,7 +770,7 @@
           <a:p>
             <a:fld id="{E0381BB4-C990-4DF4-8959-6F2C2E612988}" type="datetimeFigureOut">
               <a:rPr lang="fr-CH" smtClean="0"/>
-              <a:t>31.05.2015</a:t>
+              <a:t>01.06.2015</a:t>
             </a:fld>
             <a:endParaRPr lang="fr-CH"/>
           </a:p>
@@ -1021,7 +1021,7 @@
           <a:p>
             <a:fld id="{E0381BB4-C990-4DF4-8959-6F2C2E612988}" type="datetimeFigureOut">
               <a:rPr lang="fr-CH" smtClean="0"/>
-              <a:t>31.05.2015</a:t>
+              <a:t>01.06.2015</a:t>
             </a:fld>
             <a:endParaRPr lang="fr-CH"/>
           </a:p>
@@ -1260,7 +1260,7 @@
           <a:p>
             <a:fld id="{E0381BB4-C990-4DF4-8959-6F2C2E612988}" type="datetimeFigureOut">
               <a:rPr lang="fr-CH" smtClean="0"/>
-              <a:t>31.05.2015</a:t>
+              <a:t>01.06.2015</a:t>
             </a:fld>
             <a:endParaRPr lang="fr-CH"/>
           </a:p>
@@ -1634,7 +1634,7 @@
           <a:p>
             <a:fld id="{E0381BB4-C990-4DF4-8959-6F2C2E612988}" type="datetimeFigureOut">
               <a:rPr lang="fr-CH" smtClean="0"/>
-              <a:t>31.05.2015</a:t>
+              <a:t>01.06.2015</a:t>
             </a:fld>
             <a:endParaRPr lang="fr-CH"/>
           </a:p>
@@ -1752,7 +1752,7 @@
           <a:p>
             <a:fld id="{E0381BB4-C990-4DF4-8959-6F2C2E612988}" type="datetimeFigureOut">
               <a:rPr lang="fr-CH" smtClean="0"/>
-              <a:t>31.05.2015</a:t>
+              <a:t>01.06.2015</a:t>
             </a:fld>
             <a:endParaRPr lang="fr-CH"/>
           </a:p>
@@ -1847,7 +1847,7 @@
           <a:p>
             <a:fld id="{E0381BB4-C990-4DF4-8959-6F2C2E612988}" type="datetimeFigureOut">
               <a:rPr lang="fr-CH" smtClean="0"/>
-              <a:t>31.05.2015</a:t>
+              <a:t>01.06.2015</a:t>
             </a:fld>
             <a:endParaRPr lang="fr-CH"/>
           </a:p>
@@ -2124,7 +2124,7 @@
           <a:p>
             <a:fld id="{E0381BB4-C990-4DF4-8959-6F2C2E612988}" type="datetimeFigureOut">
               <a:rPr lang="fr-CH" smtClean="0"/>
-              <a:t>31.05.2015</a:t>
+              <a:t>01.06.2015</a:t>
             </a:fld>
             <a:endParaRPr lang="fr-CH"/>
           </a:p>
@@ -2381,7 +2381,7 @@
           <a:p>
             <a:fld id="{E0381BB4-C990-4DF4-8959-6F2C2E612988}" type="datetimeFigureOut">
               <a:rPr lang="fr-CH" smtClean="0"/>
-              <a:t>31.05.2015</a:t>
+              <a:t>01.06.2015</a:t>
             </a:fld>
             <a:endParaRPr lang="fr-CH"/>
           </a:p>
@@ -2594,7 +2594,7 @@
           <a:p>
             <a:fld id="{E0381BB4-C990-4DF4-8959-6F2C2E612988}" type="datetimeFigureOut">
               <a:rPr lang="fr-CH" smtClean="0"/>
-              <a:t>31.05.2015</a:t>
+              <a:t>01.06.2015</a:t>
             </a:fld>
             <a:endParaRPr lang="fr-CH"/>
           </a:p>
@@ -3014,8 +3014,8 @@
         </p:nvSpPr>
         <p:spPr>
           <a:xfrm>
-            <a:off x="0" y="5769923"/>
-            <a:ext cx="30275213" cy="37771100"/>
+            <a:off x="0" y="6838670"/>
+            <a:ext cx="30275213" cy="36702352"/>
           </a:xfrm>
           <a:prstGeom prst="rect">
             <a:avLst/>
@@ -3069,8 +3069,8 @@
         </p:nvSpPr>
         <p:spPr>
           <a:xfrm>
-            <a:off x="-30570" y="-7789"/>
-            <a:ext cx="30305783" cy="5777712"/>
+            <a:off x="-30570" y="-7790"/>
+            <a:ext cx="30305783" cy="6846459"/>
           </a:xfrm>
           <a:prstGeom prst="rect">
             <a:avLst/>
@@ -3118,7 +3118,7 @@
         <p:spPr>
           <a:xfrm>
             <a:off x="-71697" y="352748"/>
-            <a:ext cx="30305784" cy="830997"/>
+            <a:ext cx="30305784" cy="523220"/>
           </a:xfrm>
           <a:prstGeom prst="rect">
             <a:avLst/>
@@ -3133,7 +3133,7 @@
           <a:p>
             <a:pPr algn="ctr"/>
             <a:r>
-              <a:rPr lang="fr-CH" sz="4800" dirty="0" smtClean="0">
+              <a:rPr lang="fr-CH" sz="2800" dirty="0" smtClean="0">
                 <a:ln w="0"/>
                 <a:solidFill>
                   <a:schemeClr val="bg2">
@@ -3151,7 +3151,7 @@
               <a:t>Projet de semestre, 2</a:t>
             </a:r>
             <a:r>
-              <a:rPr lang="fr-CH" sz="4800" baseline="30000" dirty="0" smtClean="0">
+              <a:rPr lang="fr-CH" sz="2800" baseline="30000" dirty="0" smtClean="0">
                 <a:ln w="0"/>
                 <a:solidFill>
                   <a:schemeClr val="bg2">
@@ -3169,7 +3169,7 @@
               <a:t>ème</a:t>
             </a:r>
             <a:r>
-              <a:rPr lang="fr-CH" sz="4800" dirty="0" smtClean="0">
+              <a:rPr lang="fr-CH" sz="2800" dirty="0" smtClean="0">
                 <a:ln w="0"/>
                 <a:solidFill>
                   <a:schemeClr val="bg2">
@@ -3186,7 +3186,7 @@
               </a:rPr>
               <a:t> année de Bachelor en informatique en HES</a:t>
             </a:r>
-            <a:endParaRPr lang="fr-CH" sz="4800" dirty="0">
+            <a:endParaRPr lang="fr-CH" sz="2800" dirty="0">
               <a:ln w="0"/>
               <a:solidFill>
                 <a:schemeClr val="bg2">
@@ -3206,14 +3206,14 @@
       </p:sp>
       <p:sp>
         <p:nvSpPr>
-          <p:cNvPr id="22" name="ZoneTexte 21"/>
+          <p:cNvPr id="23" name="ZoneTexte 22"/>
           <p:cNvSpPr txBox="1"/>
           <p:nvPr/>
         </p:nvSpPr>
         <p:spPr>
           <a:xfrm>
-            <a:off x="2288344" y="1427769"/>
-            <a:ext cx="24505920" cy="1938992"/>
+            <a:off x="-652917" y="5207512"/>
+            <a:ext cx="30275213" cy="769441"/>
           </a:xfrm>
           <a:prstGeom prst="rect">
             <a:avLst/>
@@ -3228,67 +3228,51 @@
           <a:p>
             <a:pPr algn="ctr"/>
             <a:r>
-              <a:rPr lang="fr-FR" sz="6000" dirty="0" smtClean="0">
-                <a:ln>
-                  <a:solidFill>
-                    <a:srgbClr val="FF0000"/>
-                  </a:solidFill>
-                </a:ln>
-                <a:solidFill>
-                  <a:srgbClr val="FF0000"/>
-                </a:solidFill>
-              </a:rPr>
-              <a:t>Réalisation </a:t>
-            </a:r>
-            <a:r>
-              <a:rPr lang="fr-FR" sz="6000" dirty="0">
-                <a:ln>
-                  <a:solidFill>
-                    <a:srgbClr val="FF0000"/>
-                  </a:solidFill>
-                </a:ln>
-                <a:solidFill>
-                  <a:srgbClr val="FF0000"/>
-                </a:solidFill>
-              </a:rPr>
-              <a:t>une animation permettant la résolution d’un système de m équations à n </a:t>
-            </a:r>
-            <a:r>
-              <a:rPr lang="fr-FR" sz="6000" dirty="0" smtClean="0">
-                <a:ln>
-                  <a:solidFill>
-                    <a:srgbClr val="FF0000"/>
-                  </a:solidFill>
-                </a:ln>
-                <a:solidFill>
-                  <a:srgbClr val="FF0000"/>
-                </a:solidFill>
-              </a:rPr>
-              <a:t>inconnues</a:t>
-            </a:r>
-            <a:endParaRPr lang="fr-CH" sz="6000" dirty="0">
-              <a:ln>
-                <a:solidFill>
-                  <a:srgbClr val="FF0000"/>
-                </a:solidFill>
-              </a:ln>
-              <a:solidFill>
-                <a:srgbClr val="FF0000"/>
-              </a:solidFill>
-            </a:endParaRPr>
-          </a:p>
-        </p:txBody>
-      </p:sp>
-      <p:sp>
-        <p:nvSpPr>
-          <p:cNvPr id="23" name="ZoneTexte 22"/>
+              <a:rPr lang="fr-CH" sz="4400" b="1" dirty="0" smtClean="0"/>
+              <a:t>Bastien </a:t>
+            </a:r>
+            <a:r>
+              <a:rPr lang="fr-CH" sz="4400" b="1" dirty="0" err="1" smtClean="0"/>
+              <a:t>Burri</a:t>
+            </a:r>
+            <a:r>
+              <a:rPr lang="fr-CH" sz="4400" b="1" dirty="0" smtClean="0"/>
+              <a:t>, Kevin </a:t>
+            </a:r>
+            <a:r>
+              <a:rPr lang="fr-CH" sz="4400" b="1" dirty="0" err="1" smtClean="0"/>
+              <a:t>Vulliemin</a:t>
+            </a:r>
+            <a:r>
+              <a:rPr lang="fr-CH" sz="4400" b="1" dirty="0" smtClean="0"/>
+              <a:t>, Mattieu </a:t>
+            </a:r>
+            <a:r>
+              <a:rPr lang="fr-CH" sz="4400" b="1" dirty="0" err="1" smtClean="0"/>
+              <a:t>Bandelier</a:t>
+            </a:r>
+            <a:r>
+              <a:rPr lang="fr-CH" sz="4400" b="1" dirty="0"/>
+              <a:t> </a:t>
+            </a:r>
+            <a:r>
+              <a:rPr lang="fr-CH" sz="4400" b="1" dirty="0" smtClean="0"/>
+              <a:t>et Nicolas Gonin</a:t>
+            </a:r>
+            <a:endParaRPr lang="fr-CH" sz="4400" b="1" dirty="0"/>
+          </a:p>
+        </p:txBody>
+      </p:sp>
+      <p:sp>
+        <p:nvSpPr>
+          <p:cNvPr id="24" name="ZoneTexte 23"/>
           <p:cNvSpPr txBox="1"/>
           <p:nvPr/>
         </p:nvSpPr>
         <p:spPr>
           <a:xfrm>
-            <a:off x="-596303" y="3410031"/>
-            <a:ext cx="30275213" cy="923330"/>
+            <a:off x="-386134" y="5986721"/>
+            <a:ext cx="30305784" cy="523220"/>
           </a:xfrm>
           <a:prstGeom prst="rect">
             <a:avLst/>
@@ -3303,51 +3287,31 @@
           <a:p>
             <a:pPr algn="ctr"/>
             <a:r>
-              <a:rPr lang="fr-CH" sz="5400" b="1" dirty="0" smtClean="0"/>
-              <a:t>Bastien </a:t>
-            </a:r>
-            <a:r>
-              <a:rPr lang="fr-CH" sz="5400" b="1" dirty="0" err="1" smtClean="0"/>
-              <a:t>Burri</a:t>
-            </a:r>
-            <a:r>
-              <a:rPr lang="fr-CH" sz="5400" b="1" dirty="0" smtClean="0"/>
-              <a:t>, Kevin </a:t>
-            </a:r>
-            <a:r>
-              <a:rPr lang="fr-CH" sz="5400" b="1" dirty="0" err="1" smtClean="0"/>
-              <a:t>Vulliemin</a:t>
-            </a:r>
-            <a:r>
-              <a:rPr lang="fr-CH" sz="5400" b="1" dirty="0" smtClean="0"/>
-              <a:t>, Mattieu </a:t>
-            </a:r>
-            <a:r>
-              <a:rPr lang="fr-CH" sz="5400" b="1" dirty="0" err="1" smtClean="0"/>
-              <a:t>Bandelier</a:t>
-            </a:r>
-            <a:r>
-              <a:rPr lang="fr-CH" sz="5400" b="1" dirty="0"/>
-              <a:t> </a:t>
-            </a:r>
-            <a:r>
-              <a:rPr lang="fr-CH" sz="5400" b="1" dirty="0" smtClean="0"/>
-              <a:t>et Nicolas Gonin</a:t>
-            </a:r>
-            <a:endParaRPr lang="fr-CH" sz="5400" b="1" dirty="0"/>
-          </a:p>
-        </p:txBody>
-      </p:sp>
-      <p:sp>
-        <p:nvSpPr>
-          <p:cNvPr id="24" name="ZoneTexte 23"/>
+              <a:rPr lang="fr-CH" sz="2800" dirty="0" smtClean="0"/>
+              <a:t>Professeur responsable: </a:t>
+            </a:r>
+            <a:r>
+              <a:rPr lang="fr-CH" sz="2800" dirty="0" err="1" smtClean="0"/>
+              <a:t>Stephane</a:t>
+            </a:r>
+            <a:r>
+              <a:rPr lang="fr-CH" sz="2800" dirty="0" smtClean="0"/>
+              <a:t> Gobron</a:t>
+            </a:r>
+            <a:endParaRPr lang="fr-CH" sz="2800" dirty="0"/>
+          </a:p>
+        </p:txBody>
+      </p:sp>
+      <p:sp>
+        <p:nvSpPr>
+          <p:cNvPr id="32" name="ZoneTexte 31"/>
           <p:cNvSpPr txBox="1"/>
           <p:nvPr/>
         </p:nvSpPr>
         <p:spPr>
           <a:xfrm>
-            <a:off x="-386134" y="4572826"/>
-            <a:ext cx="30305784" cy="646331"/>
+            <a:off x="-33238440" y="33947224"/>
+            <a:ext cx="10911840" cy="3171798"/>
           </a:xfrm>
           <a:prstGeom prst="rect">
             <a:avLst/>
@@ -3360,33 +3324,35 @@
           </a:bodyPr>
           <a:lstStyle/>
           <a:p>
-            <a:pPr algn="ctr"/>
-            <a:r>
-              <a:rPr lang="fr-CH" sz="3600" dirty="0" smtClean="0"/>
-              <a:t>Professeur responsable: </a:t>
-            </a:r>
-            <a:r>
-              <a:rPr lang="fr-CH" sz="3600" dirty="0" err="1" smtClean="0"/>
-              <a:t>Stephane</a:t>
-            </a:r>
-            <a:r>
-              <a:rPr lang="fr-CH" sz="3600" dirty="0" smtClean="0"/>
-              <a:t> Gobron</a:t>
-            </a:r>
-            <a:endParaRPr lang="fr-CH" sz="3600" dirty="0"/>
-          </a:p>
-        </p:txBody>
-      </p:sp>
-      <p:sp>
-        <p:nvSpPr>
-          <p:cNvPr id="26" name="ZoneTexte 25"/>
+            <a:r>
+              <a:rPr lang="fr-CH" b="1" dirty="0" smtClean="0"/>
+              <a:t>Résolution algébrique</a:t>
+            </a:r>
+            <a:br>
+              <a:rPr lang="fr-CH" b="1" dirty="0" smtClean="0"/>
+            </a:br>
+            <a:r>
+              <a:rPr lang="fr-CH" dirty="0" smtClean="0"/>
+              <a:t>Vous avez résolu le système à l’aide </a:t>
+            </a:r>
+            <a:r>
+              <a:rPr lang="fr-CH" dirty="0" smtClean="0"/>
+              <a:t>de notre programme.</a:t>
+            </a:r>
+            <a:endParaRPr lang="fr-CH" dirty="0"/>
+          </a:p>
+        </p:txBody>
+      </p:sp>
+      <p:sp>
+        <p:nvSpPr>
+          <p:cNvPr id="33" name="ZoneTexte 32"/>
           <p:cNvSpPr txBox="1"/>
           <p:nvPr/>
         </p:nvSpPr>
         <p:spPr>
           <a:xfrm>
-            <a:off x="774185" y="8085197"/>
-            <a:ext cx="11279713" cy="3970318"/>
+            <a:off x="774185" y="35533123"/>
+            <a:ext cx="10911840" cy="4198868"/>
           </a:xfrm>
           <a:prstGeom prst="rect">
             <a:avLst/>
@@ -3400,165 +3366,19 @@
           <a:lstStyle/>
           <a:p>
             <a:r>
-              <a:rPr lang="fr-CH" sz="7200" b="1" dirty="0" smtClean="0"/>
-              <a:t>Description du </a:t>
-            </a:r>
-            <a:r>
-              <a:rPr lang="fr-CH" sz="7200" b="1" dirty="0" smtClean="0"/>
-              <a:t>problème</a:t>
-            </a:r>
-            <a:r>
               <a:rPr lang="fr-CH" b="1" dirty="0" smtClean="0"/>
-              <a:t/>
+              <a:t>Visualisation géométrique</a:t>
             </a:r>
             <a:br>
               <a:rPr lang="fr-CH" b="1" dirty="0" smtClean="0"/>
             </a:br>
             <a:r>
-              <a:rPr lang="fr-CH" sz="6000" dirty="0"/>
-              <a:t>Ne vous affolez pas ! Ce problème peut aisément être résolu à l'aide de simple système </a:t>
-            </a:r>
-          </a:p>
-        </p:txBody>
-      </p:sp>
-      <p:sp>
-        <p:nvSpPr>
-          <p:cNvPr id="31" name="ZoneTexte 30"/>
-          <p:cNvSpPr txBox="1"/>
-          <p:nvPr/>
-        </p:nvSpPr>
-        <p:spPr>
-          <a:xfrm>
-            <a:off x="958121" y="16872250"/>
-            <a:ext cx="10911840" cy="4279890"/>
-          </a:xfrm>
-          <a:prstGeom prst="rect">
-            <a:avLst/>
-          </a:prstGeom>
-          <a:noFill/>
-        </p:spPr>
-        <p:txBody>
-          <a:bodyPr wrap="square" rtlCol="0">
-            <a:spAutoFit/>
-          </a:bodyPr>
-          <a:lstStyle/>
-          <a:p>
-            <a:r>
-              <a:rPr lang="fr-CH" b="1" dirty="0" smtClean="0"/>
-              <a:t>Vulgarisation </a:t>
-            </a:r>
-            <a:r>
-              <a:rPr lang="fr-CH" b="1" dirty="0" smtClean="0"/>
-              <a:t>mathématique</a:t>
-            </a:r>
-            <a:r>
-              <a:rPr lang="fr-CH" b="1" dirty="0" smtClean="0"/>
-              <a:t/>
-            </a:r>
-            <a:br>
-              <a:rPr lang="fr-CH" b="1" dirty="0" smtClean="0"/>
-            </a:br>
-            <a:r>
               <a:rPr lang="fr-CH" dirty="0" smtClean="0"/>
-              <a:t>Vous traduisez le problème en un système d’équations linéaire.</a:t>
-            </a:r>
-            <a:endParaRPr lang="fr-CH" dirty="0"/>
-          </a:p>
-        </p:txBody>
-      </p:sp>
-      <p:sp>
-        <p:nvSpPr>
-          <p:cNvPr id="32" name="ZoneTexte 31"/>
-          <p:cNvSpPr txBox="1"/>
-          <p:nvPr/>
-        </p:nvSpPr>
-        <p:spPr>
-          <a:xfrm>
-            <a:off x="774185" y="26034017"/>
-            <a:ext cx="10911840" cy="3233001"/>
-          </a:xfrm>
-          <a:prstGeom prst="rect">
-            <a:avLst/>
-          </a:prstGeom>
-          <a:noFill/>
-        </p:spPr>
-        <p:txBody>
-          <a:bodyPr wrap="square" rtlCol="0">
-            <a:spAutoFit/>
-          </a:bodyPr>
-          <a:lstStyle/>
-          <a:p>
-            <a:r>
-              <a:rPr lang="fr-CH" b="1" dirty="0" smtClean="0"/>
-              <a:t>Résolution </a:t>
-            </a:r>
-            <a:r>
-              <a:rPr lang="fr-CH" b="1" dirty="0" smtClean="0"/>
-              <a:t>algébrique</a:t>
-            </a:r>
-            <a:r>
-              <a:rPr lang="fr-CH" b="1" dirty="0" smtClean="0"/>
-              <a:t/>
-            </a:r>
-            <a:br>
-              <a:rPr lang="fr-CH" b="1" dirty="0" smtClean="0"/>
-            </a:br>
+              <a:t>Vous pouvez visualiser la </a:t>
+            </a:r>
             <a:r>
               <a:rPr lang="fr-CH" dirty="0" smtClean="0"/>
-              <a:t>Vous avez résolu le système à l’aide de </a:t>
-            </a:r>
-            <a:r>
-              <a:rPr lang="fr-CH" dirty="0" err="1" smtClean="0"/>
-              <a:t>Nsolver</a:t>
-            </a:r>
-            <a:r>
-              <a:rPr lang="fr-CH" dirty="0" smtClean="0"/>
-              <a:t>.</a:t>
-            </a:r>
-            <a:endParaRPr lang="fr-CH" dirty="0"/>
-          </a:p>
-        </p:txBody>
-      </p:sp>
-      <p:sp>
-        <p:nvSpPr>
-          <p:cNvPr id="33" name="ZoneTexte 32"/>
-          <p:cNvSpPr txBox="1"/>
-          <p:nvPr/>
-        </p:nvSpPr>
-        <p:spPr>
-          <a:xfrm>
-            <a:off x="854363" y="36052155"/>
-            <a:ext cx="10911840" cy="3233001"/>
-          </a:xfrm>
-          <a:prstGeom prst="rect">
-            <a:avLst/>
-          </a:prstGeom>
-          <a:noFill/>
-        </p:spPr>
-        <p:txBody>
-          <a:bodyPr wrap="square" rtlCol="0">
-            <a:spAutoFit/>
-          </a:bodyPr>
-          <a:lstStyle/>
-          <a:p>
-            <a:r>
-              <a:rPr lang="fr-CH" b="1" dirty="0" smtClean="0"/>
-              <a:t>Visualisation </a:t>
-            </a:r>
-            <a:r>
-              <a:rPr lang="fr-CH" b="1" dirty="0" smtClean="0"/>
-              <a:t>géométrique</a:t>
-            </a:r>
-            <a:r>
-              <a:rPr lang="fr-CH" b="1" dirty="0" smtClean="0"/>
-              <a:t/>
-            </a:r>
-            <a:br>
-              <a:rPr lang="fr-CH" b="1" dirty="0" smtClean="0"/>
-            </a:br>
-            <a:r>
-              <a:rPr lang="fr-CH" dirty="0" smtClean="0"/>
-              <a:t>Vous pouvez visualiser la situation.</a:t>
+              <a:t>situation pour les système à trois inconnues.</a:t>
             </a:r>
             <a:endParaRPr lang="fr-CH" dirty="0"/>
           </a:p>
@@ -3586,8 +3406,8 @@
         </p:blipFill>
         <p:spPr>
           <a:xfrm>
-            <a:off x="23865733" y="42162890"/>
-            <a:ext cx="6053917" cy="1012361"/>
+            <a:off x="23865733" y="42188979"/>
+            <a:ext cx="6053917" cy="993196"/>
           </a:xfrm>
           <a:prstGeom prst="rect">
             <a:avLst/>
@@ -3616,38 +3436,112 @@
         </p:blipFill>
         <p:spPr>
           <a:xfrm>
-            <a:off x="465382" y="42214960"/>
-            <a:ext cx="3645924" cy="1012361"/>
+            <a:off x="465382" y="42240063"/>
+            <a:ext cx="3645924" cy="993196"/>
           </a:xfrm>
           <a:prstGeom prst="rect">
             <a:avLst/>
           </a:prstGeom>
         </p:spPr>
       </p:pic>
+      <p:sp>
+        <p:nvSpPr>
+          <p:cNvPr id="14" name="Rectangle à coins arrondis 13"/>
+          <p:cNvSpPr/>
+          <p:nvPr/>
+        </p:nvSpPr>
+        <p:spPr>
+          <a:xfrm>
+            <a:off x="-18931977" y="34446337"/>
+            <a:ext cx="11186908" cy="5345369"/>
+          </a:xfrm>
+          <a:prstGeom prst="roundRect">
+            <a:avLst/>
+          </a:prstGeom>
+        </p:spPr>
+        <p:style>
+          <a:lnRef idx="2">
+            <a:schemeClr val="accent1">
+              <a:shade val="50000"/>
+            </a:schemeClr>
+          </a:lnRef>
+          <a:fillRef idx="1">
+            <a:schemeClr val="accent1"/>
+          </a:fillRef>
+          <a:effectRef idx="0">
+            <a:schemeClr val="accent1"/>
+          </a:effectRef>
+          <a:fontRef idx="minor">
+            <a:schemeClr val="lt1"/>
+          </a:fontRef>
+        </p:style>
+        <p:txBody>
+          <a:bodyPr rtlCol="0" anchor="ctr"/>
+          <a:lstStyle/>
+          <a:p>
+            <a:pPr algn="ctr"/>
+            <a:r>
+              <a:rPr lang="fr-CH" sz="8800" dirty="0" smtClean="0"/>
+              <a:t>x </a:t>
+            </a:r>
+            <a:r>
+              <a:rPr lang="fr-CH" sz="8800" dirty="0"/>
+              <a:t>= 1.6 mètres</a:t>
+            </a:r>
+          </a:p>
+          <a:p>
+            <a:pPr algn="ctr"/>
+            <a:r>
+              <a:rPr lang="fr-CH" sz="8800" dirty="0"/>
+              <a:t>y = 2.6 </a:t>
+            </a:r>
+            <a:r>
+              <a:rPr lang="fr-CH" sz="8800" dirty="0" smtClean="0"/>
+              <a:t>mètres</a:t>
+            </a:r>
+          </a:p>
+          <a:p>
+            <a:pPr algn="ctr"/>
+            <a:r>
+              <a:rPr lang="fr-CH" sz="8800" dirty="0" smtClean="0"/>
+              <a:t>z </a:t>
+            </a:r>
+            <a:r>
+              <a:rPr lang="fr-CH" sz="8800" dirty="0"/>
+              <a:t>= 0.8 </a:t>
+            </a:r>
+            <a:r>
+              <a:rPr lang="fr-CH" sz="8800" dirty="0" smtClean="0"/>
+              <a:t>mètre</a:t>
+            </a:r>
+            <a:endParaRPr lang="fr-CH" sz="8800" dirty="0"/>
+          </a:p>
+        </p:txBody>
+      </p:sp>
       <p:grpSp>
         <p:nvGrpSpPr>
-          <p:cNvPr id="39" name="Groupe 38"/>
+          <p:cNvPr id="9" name="Groupe 8"/>
           <p:cNvGrpSpPr/>
           <p:nvPr/>
         </p:nvGrpSpPr>
         <p:grpSpPr>
           <a:xfrm>
-            <a:off x="12155006" y="6845072"/>
-            <a:ext cx="17467290" cy="36061255"/>
-            <a:chOff x="12178695" y="6324248"/>
-            <a:chExt cx="17467290" cy="36061255"/>
+            <a:off x="15562774" y="34548303"/>
+            <a:ext cx="11477663" cy="9334417"/>
+            <a:chOff x="1100619" y="33115039"/>
+            <a:chExt cx="11477663" cy="9514535"/>
           </a:xfrm>
         </p:grpSpPr>
         <p:sp>
           <p:nvSpPr>
-            <p:cNvPr id="14" name="Rectangle à coins arrondis 13"/>
+            <p:cNvPr id="13" name="Rectangle à coins arrondis 12"/>
             <p:cNvSpPr/>
             <p:nvPr/>
           </p:nvSpPr>
           <p:spPr>
             <a:xfrm>
-              <a:off x="15318885" y="24405437"/>
-              <a:ext cx="11186908" cy="5448514"/>
+              <a:off x="1100619" y="33115039"/>
+              <a:ext cx="11477663" cy="8660336"/>
             </a:xfrm>
             <a:prstGeom prst="roundRect">
               <a:avLst/>
@@ -3674,55 +3568,118 @@
             <a:lstStyle/>
             <a:p>
               <a:pPr algn="ctr"/>
-              <a:r>
-                <a:rPr lang="fr-CH" sz="8800" dirty="0" smtClean="0"/>
-                <a:t>x </a:t>
-              </a:r>
-              <a:r>
-                <a:rPr lang="fr-CH" sz="8800" dirty="0"/>
-                <a:t>= 1.6 mètres</a:t>
-              </a:r>
+              <a:endParaRPr lang="fr-CH" sz="4400" dirty="0"/>
             </a:p>
+          </p:txBody>
+        </p:sp>
+        <p:pic>
+          <p:nvPicPr>
+            <p:cNvPr id="2" name="Image 1"/>
+            <p:cNvPicPr>
+              <a:picLocks noChangeAspect="1"/>
+            </p:cNvPicPr>
+            <p:nvPr/>
+          </p:nvPicPr>
+          <p:blipFill>
+            <a:blip r:embed="rId4">
+              <a:extLst>
+                <a:ext uri="{28A0092B-C50C-407E-A947-70E740481C1C}">
+                  <a14:useLocalDpi xmlns:a14="http://schemas.microsoft.com/office/drawing/2010/main" val="0"/>
+                </a:ext>
+              </a:extLst>
+            </a:blip>
+            <a:stretch>
+              <a:fillRect/>
+            </a:stretch>
+          </p:blipFill>
+          <p:spPr>
+            <a:xfrm>
+              <a:off x="2576354" y="33731982"/>
+              <a:ext cx="8688012" cy="8897592"/>
+            </a:xfrm>
+            <a:prstGeom prst="rect">
+              <a:avLst/>
+            </a:prstGeom>
+          </p:spPr>
+        </p:pic>
+      </p:grpSp>
+      <p:grpSp>
+        <p:nvGrpSpPr>
+          <p:cNvPr id="57" name="Groupe 56"/>
+          <p:cNvGrpSpPr/>
+          <p:nvPr/>
+        </p:nvGrpSpPr>
+        <p:grpSpPr>
+          <a:xfrm>
+            <a:off x="559149" y="17611683"/>
+            <a:ext cx="29156914" cy="9093363"/>
+            <a:chOff x="543864" y="7570848"/>
+            <a:chExt cx="29156914" cy="9093363"/>
+          </a:xfrm>
+        </p:grpSpPr>
+        <p:sp>
+          <p:nvSpPr>
+            <p:cNvPr id="58" name="Rectangle à coins arrondis 57"/>
+            <p:cNvSpPr/>
+            <p:nvPr/>
+          </p:nvSpPr>
+          <p:spPr>
+            <a:xfrm>
+              <a:off x="543864" y="7570848"/>
+              <a:ext cx="29156914" cy="9093363"/>
+            </a:xfrm>
+            <a:prstGeom prst="roundRect">
+              <a:avLst/>
+            </a:prstGeom>
+            <a:solidFill>
+              <a:schemeClr val="accent1">
+                <a:lumMod val="60000"/>
+                <a:lumOff val="40000"/>
+              </a:schemeClr>
+            </a:solidFill>
+          </p:spPr>
+          <p:style>
+            <a:lnRef idx="2">
+              <a:schemeClr val="accent1">
+                <a:shade val="50000"/>
+              </a:schemeClr>
+            </a:lnRef>
+            <a:fillRef idx="1">
+              <a:schemeClr val="accent1"/>
+            </a:fillRef>
+            <a:effectRef idx="0">
+              <a:schemeClr val="accent1"/>
+            </a:effectRef>
+            <a:fontRef idx="minor">
+              <a:schemeClr val="lt1"/>
+            </a:fontRef>
+          </p:style>
+          <p:txBody>
+            <a:bodyPr rtlCol="0" anchor="t"/>
+            <a:lstStyle/>
             <a:p>
               <a:pPr algn="ctr"/>
               <a:r>
-                <a:rPr lang="fr-CH" sz="8800" dirty="0"/>
-                <a:t>y = 2.6 </a:t>
+                <a:rPr lang="fr-CH" b="1" dirty="0">
+                  <a:solidFill>
+                    <a:schemeClr val="tx1"/>
+                  </a:solidFill>
+                </a:rPr>
+                <a:t>Vulgarisation mathématique</a:t>
               </a:r>
-              <a:r>
-                <a:rPr lang="fr-CH" sz="8800" dirty="0" smtClean="0"/>
-                <a:t>mètres</a:t>
-              </a:r>
-              <a:endParaRPr lang="fr-CH" sz="8800" dirty="0" smtClean="0"/>
-            </a:p>
-            <a:p>
-              <a:pPr algn="ctr"/>
-              <a:r>
-                <a:rPr lang="fr-CH" sz="8800" dirty="0" smtClean="0"/>
-                <a:t>z </a:t>
-              </a:r>
-              <a:r>
-                <a:rPr lang="fr-CH" sz="8800" dirty="0"/>
-                <a:t>= 0.8 </a:t>
-              </a:r>
-              <a:r>
-                <a:rPr lang="fr-CH" sz="8800" dirty="0" smtClean="0"/>
-                <a:t>mètre</a:t>
-              </a:r>
-              <a:endParaRPr lang="fr-CH" sz="8800" dirty="0"/>
             </a:p>
           </p:txBody>
         </p:sp>
         <p:sp>
           <p:nvSpPr>
-            <p:cNvPr id="15" name="Rectangle à coins arrondis 14"/>
+            <p:cNvPr id="61" name="Rectangle à coins arrondis 60"/>
             <p:cNvSpPr/>
             <p:nvPr/>
           </p:nvSpPr>
           <p:spPr>
             <a:xfrm>
-              <a:off x="15660254" y="15787233"/>
-              <a:ext cx="10504171" cy="5601187"/>
+              <a:off x="900715" y="9423474"/>
+              <a:ext cx="10824709" cy="6328455"/>
             </a:xfrm>
             <a:prstGeom prst="roundRect">
               <a:avLst/>
@@ -3745,7 +3702,7 @@
             </a:fontRef>
           </p:style>
           <p:txBody>
-            <a:bodyPr rtlCol="0" anchor="ctr"/>
+            <a:bodyPr tIns="36000" bIns="36000" rtlCol="0" anchor="ctr"/>
             <a:lstStyle/>
             <a:p>
               <a:pPr algn="ctr"/>
@@ -3757,114 +3714,263 @@
             <a:p>
               <a:pPr algn="ctr"/>
               <a:r>
-                <a:rPr lang="pl-PL" sz="8800" dirty="0"/>
-                <a:t>x </a:t>
+                <a:rPr lang="fr-CH" sz="8800" dirty="0"/>
+                <a:t>  </a:t>
               </a:r>
               <a:r>
-                <a:rPr lang="pl-PL" sz="8800" dirty="0" smtClean="0"/>
-                <a:t>= 3z</a:t>
+                <a:rPr lang="pl-PL" sz="8800" dirty="0"/>
+                <a:t>x = 3z</a:t>
+              </a:r>
+              <a:r>
+                <a:rPr lang="fr-CH" sz="8800" dirty="0"/>
+                <a:t> – y + </a:t>
               </a:r>
               <a:r>
                 <a:rPr lang="fr-CH" sz="8800" dirty="0" smtClean="0"/>
-                <a:t> – y + 5</a:t>
+                <a:t>5</a:t>
               </a:r>
-              <a:endParaRPr lang="pl-PL" sz="8800" dirty="0"/>
             </a:p>
             <a:p>
               <a:pPr algn="ctr"/>
               <a:r>
+                <a:rPr lang="pl-PL" sz="8800" dirty="0" smtClean="0"/>
+                <a:t>z </a:t>
+              </a:r>
+              <a:r>
                 <a:rPr lang="pl-PL" sz="8800" dirty="0"/>
-                <a:t>z = 0.5x</a:t>
+                <a:t>= </a:t>
+              </a:r>
+              <a:r>
+                <a:rPr lang="pl-PL" sz="8800" dirty="0" smtClean="0"/>
+                <a:t>0.5x</a:t>
               </a:r>
               <a:endParaRPr lang="fr-CH" sz="8800" dirty="0"/>
             </a:p>
           </p:txBody>
         </p:sp>
-        <p:grpSp>
-          <p:nvGrpSpPr>
-            <p:cNvPr id="9" name="Groupe 8"/>
-            <p:cNvGrpSpPr/>
+        <p:sp>
+          <p:nvSpPr>
+            <p:cNvPr id="60" name="ZoneTexte 59"/>
+            <p:cNvSpPr txBox="1"/>
             <p:nvPr/>
-          </p:nvGrpSpPr>
-          <p:grpSpPr>
+          </p:nvSpPr>
+          <p:spPr>
             <a:xfrm>
-              <a:off x="15173507" y="32870968"/>
-              <a:ext cx="11477663" cy="9514535"/>
-              <a:chOff x="1100619" y="33115039"/>
-              <a:chExt cx="11477663" cy="9514535"/>
+              <a:off x="15884842" y="11618205"/>
+              <a:ext cx="11279713" cy="1938992"/>
             </a:xfrm>
-          </p:grpSpPr>
-          <p:sp>
-            <p:nvSpPr>
-              <p:cNvPr id="13" name="Rectangle à coins arrondis 12"/>
-              <p:cNvSpPr/>
-              <p:nvPr/>
-            </p:nvSpPr>
-            <p:spPr>
-              <a:xfrm>
-                <a:off x="1100619" y="33115039"/>
-                <a:ext cx="11477663" cy="8660336"/>
-              </a:xfrm>
-              <a:prstGeom prst="roundRect">
-                <a:avLst/>
-              </a:prstGeom>
-            </p:spPr>
-            <p:style>
-              <a:lnRef idx="2">
-                <a:schemeClr val="accent1">
-                  <a:shade val="50000"/>
-                </a:schemeClr>
-              </a:lnRef>
-              <a:fillRef idx="1">
-                <a:schemeClr val="accent1"/>
-              </a:fillRef>
-              <a:effectRef idx="0">
-                <a:schemeClr val="accent1"/>
-              </a:effectRef>
-              <a:fontRef idx="minor">
-                <a:schemeClr val="lt1"/>
-              </a:fontRef>
-            </p:style>
-            <p:txBody>
-              <a:bodyPr rtlCol="0" anchor="ctr"/>
-              <a:lstStyle/>
-              <a:p>
-                <a:pPr algn="ctr"/>
-                <a:endParaRPr lang="fr-CH" sz="4400" dirty="0"/>
-              </a:p>
-            </p:txBody>
-          </p:sp>
-          <p:pic>
-            <p:nvPicPr>
-              <p:cNvPr id="2" name="Image 1"/>
-              <p:cNvPicPr>
-                <a:picLocks noChangeAspect="1"/>
-              </p:cNvPicPr>
-              <p:nvPr/>
-            </p:nvPicPr>
-            <p:blipFill>
-              <a:blip r:embed="rId4">
-                <a:extLst>
-                  <a:ext uri="{28A0092B-C50C-407E-A947-70E740481C1C}">
-                    <a14:useLocalDpi xmlns:a14="http://schemas.microsoft.com/office/drawing/2010/main" val="0"/>
-                  </a:ext>
-                </a:extLst>
-              </a:blip>
-              <a:stretch>
-                <a:fillRect/>
-              </a:stretch>
-            </p:blipFill>
-            <p:spPr>
-              <a:xfrm>
-                <a:off x="2576354" y="33731982"/>
-                <a:ext cx="8688012" cy="8897592"/>
-              </a:xfrm>
-              <a:prstGeom prst="rect">
-                <a:avLst/>
-              </a:prstGeom>
-            </p:spPr>
-          </p:pic>
-        </p:grpSp>
+            <a:prstGeom prst="rect">
+              <a:avLst/>
+            </a:prstGeom>
+            <a:noFill/>
+          </p:spPr>
+          <p:txBody>
+            <a:bodyPr wrap="square" rtlCol="0">
+              <a:spAutoFit/>
+            </a:bodyPr>
+            <a:lstStyle/>
+            <a:p>
+              <a:r>
+                <a:rPr lang="fr-CH" sz="6000" dirty="0"/>
+                <a:t>Vous traduisez le problème en un système d’équations linéaire.</a:t>
+              </a:r>
+              <a:endParaRPr lang="fr-CH" sz="6000" dirty="0"/>
+            </a:p>
+          </p:txBody>
+        </p:sp>
+      </p:grpSp>
+      <p:sp>
+        <p:nvSpPr>
+          <p:cNvPr id="21" name="Flèche vers le bas 20"/>
+          <p:cNvSpPr/>
+          <p:nvPr/>
+        </p:nvSpPr>
+        <p:spPr>
+          <a:xfrm>
+            <a:off x="34076184" y="32826115"/>
+            <a:ext cx="1273570" cy="2115188"/>
+          </a:xfrm>
+          <a:prstGeom prst="downArrow">
+            <a:avLst/>
+          </a:prstGeom>
+        </p:spPr>
+        <p:style>
+          <a:lnRef idx="2">
+            <a:schemeClr val="accent1">
+              <a:shade val="50000"/>
+            </a:schemeClr>
+          </a:lnRef>
+          <a:fillRef idx="1">
+            <a:schemeClr val="accent1"/>
+          </a:fillRef>
+          <a:effectRef idx="0">
+            <a:schemeClr val="accent1"/>
+          </a:effectRef>
+          <a:fontRef idx="minor">
+            <a:schemeClr val="lt1"/>
+          </a:fontRef>
+        </p:style>
+        <p:txBody>
+          <a:bodyPr rtlCol="0" anchor="ctr"/>
+          <a:lstStyle/>
+          <a:p>
+            <a:pPr algn="ctr"/>
+            <a:endParaRPr lang="fr-CH"/>
+          </a:p>
+        </p:txBody>
+      </p:sp>
+      <p:sp>
+        <p:nvSpPr>
+          <p:cNvPr id="37" name="Flèche vers le bas 36"/>
+          <p:cNvSpPr/>
+          <p:nvPr/>
+        </p:nvSpPr>
+        <p:spPr>
+          <a:xfrm>
+            <a:off x="32121504" y="27907194"/>
+            <a:ext cx="1070208" cy="2342115"/>
+          </a:xfrm>
+          <a:prstGeom prst="downArrow">
+            <a:avLst/>
+          </a:prstGeom>
+        </p:spPr>
+        <p:style>
+          <a:lnRef idx="2">
+            <a:schemeClr val="accent1">
+              <a:shade val="50000"/>
+            </a:schemeClr>
+          </a:lnRef>
+          <a:fillRef idx="1">
+            <a:schemeClr val="accent1"/>
+          </a:fillRef>
+          <a:effectRef idx="0">
+            <a:schemeClr val="accent1"/>
+          </a:effectRef>
+          <a:fontRef idx="minor">
+            <a:schemeClr val="lt1"/>
+          </a:fontRef>
+        </p:style>
+        <p:txBody>
+          <a:bodyPr rtlCol="0" anchor="ctr"/>
+          <a:lstStyle/>
+          <a:p>
+            <a:pPr algn="ctr"/>
+            <a:endParaRPr lang="fr-CH"/>
+          </a:p>
+        </p:txBody>
+      </p:sp>
+      <p:sp>
+        <p:nvSpPr>
+          <p:cNvPr id="38" name="Flèche vers le bas 37"/>
+          <p:cNvSpPr/>
+          <p:nvPr/>
+        </p:nvSpPr>
+        <p:spPr>
+          <a:xfrm>
+            <a:off x="31586400" y="23808599"/>
+            <a:ext cx="1070208" cy="2328162"/>
+          </a:xfrm>
+          <a:prstGeom prst="downArrow">
+            <a:avLst/>
+          </a:prstGeom>
+        </p:spPr>
+        <p:style>
+          <a:lnRef idx="2">
+            <a:schemeClr val="accent1">
+              <a:shade val="50000"/>
+            </a:schemeClr>
+          </a:lnRef>
+          <a:fillRef idx="1">
+            <a:schemeClr val="accent1"/>
+          </a:fillRef>
+          <a:effectRef idx="0">
+            <a:schemeClr val="accent1"/>
+          </a:effectRef>
+          <a:fontRef idx="minor">
+            <a:schemeClr val="lt1"/>
+          </a:fontRef>
+        </p:style>
+        <p:txBody>
+          <a:bodyPr rtlCol="0" anchor="ctr"/>
+          <a:lstStyle/>
+          <a:p>
+            <a:pPr algn="ctr"/>
+            <a:endParaRPr lang="fr-CH"/>
+          </a:p>
+        </p:txBody>
+      </p:sp>
+      <p:grpSp>
+        <p:nvGrpSpPr>
+          <p:cNvPr id="56" name="Groupe 55"/>
+          <p:cNvGrpSpPr/>
+          <p:nvPr/>
+        </p:nvGrpSpPr>
+        <p:grpSpPr>
+          <a:xfrm>
+            <a:off x="543864" y="7570848"/>
+            <a:ext cx="29444131" cy="9093363"/>
+            <a:chOff x="543864" y="7570848"/>
+            <a:chExt cx="29444131" cy="9093363"/>
+          </a:xfrm>
+        </p:grpSpPr>
+        <p:sp>
+          <p:nvSpPr>
+            <p:cNvPr id="49" name="Rectangle à coins arrondis 48"/>
+            <p:cNvSpPr/>
+            <p:nvPr/>
+          </p:nvSpPr>
+          <p:spPr>
+            <a:xfrm>
+              <a:off x="543864" y="7570848"/>
+              <a:ext cx="29156914" cy="9093363"/>
+            </a:xfrm>
+            <a:prstGeom prst="roundRect">
+              <a:avLst/>
+            </a:prstGeom>
+            <a:solidFill>
+              <a:schemeClr val="accent1">
+                <a:lumMod val="60000"/>
+                <a:lumOff val="40000"/>
+              </a:schemeClr>
+            </a:solidFill>
+          </p:spPr>
+          <p:style>
+            <a:lnRef idx="2">
+              <a:schemeClr val="accent1">
+                <a:shade val="50000"/>
+              </a:schemeClr>
+            </a:lnRef>
+            <a:fillRef idx="1">
+              <a:schemeClr val="accent1"/>
+            </a:fillRef>
+            <a:effectRef idx="0">
+              <a:schemeClr val="accent1"/>
+            </a:effectRef>
+            <a:fontRef idx="minor">
+              <a:schemeClr val="lt1"/>
+            </a:fontRef>
+          </p:style>
+          <p:txBody>
+            <a:bodyPr rtlCol="0" anchor="t"/>
+            <a:lstStyle/>
+            <a:p>
+              <a:pPr algn="ctr"/>
+              <a:r>
+                <a:rPr lang="fr-CH" b="1" dirty="0" smtClean="0">
+                  <a:solidFill>
+                    <a:schemeClr val="tx1"/>
+                  </a:solidFill>
+                </a:rPr>
+                <a:t>Description du problème</a:t>
+              </a:r>
+              <a:endParaRPr lang="fr-CH" b="1" dirty="0">
+                <a:solidFill>
+                  <a:schemeClr val="tx1"/>
+                </a:solidFill>
+              </a:endParaRPr>
+            </a:p>
+          </p:txBody>
+        </p:sp>
         <p:grpSp>
           <p:nvGrpSpPr>
             <p:cNvPr id="25" name="Groupe 24"/>
@@ -3873,9 +3979,9 @@
           </p:nvGrpSpPr>
           <p:grpSpPr>
             <a:xfrm>
-              <a:off x="12178695" y="6324248"/>
-              <a:ext cx="17467290" cy="6450569"/>
-              <a:chOff x="12178695" y="6324248"/>
+              <a:off x="900715" y="9423474"/>
+              <a:ext cx="17467290" cy="6328455"/>
+              <a:chOff x="14233916" y="10551704"/>
               <a:chExt cx="17467290" cy="6450569"/>
             </a:xfrm>
           </p:grpSpPr>
@@ -3887,7 +3993,7 @@
             </p:nvSpPr>
             <p:spPr>
               <a:xfrm>
-                <a:off x="12178695" y="6324248"/>
+                <a:off x="14233916" y="10551704"/>
                 <a:ext cx="17467290" cy="6450569"/>
               </a:xfrm>
               <a:prstGeom prst="roundRect">
@@ -3931,8 +4037,8 @@
             </p:nvSpPr>
             <p:spPr>
               <a:xfrm>
-                <a:off x="12877678" y="7261312"/>
-                <a:ext cx="16036938" cy="5262979"/>
+                <a:off x="15173507" y="11517458"/>
+                <a:ext cx="16036938" cy="4611616"/>
               </a:xfrm>
               <a:prstGeom prst="rect">
                 <a:avLst/>
@@ -3974,7 +4080,47 @@
                       <a:schemeClr val="bg1"/>
                     </a:solidFill>
                   </a:rPr>
-                  <a:t>De plus vous voulez que la 3e étagère soit 2 fois plus petite que la </a:t>
+                  <a:t>L</a:t>
+                </a:r>
+                <a:r>
+                  <a:rPr lang="fr-CH" sz="4800" dirty="0" smtClean="0">
+                    <a:solidFill>
+                      <a:schemeClr val="bg1"/>
+                    </a:solidFill>
+                  </a:rPr>
+                  <a:t>a </a:t>
+                </a:r>
+                <a:r>
+                  <a:rPr lang="fr-CH" sz="4800" dirty="0">
+                    <a:solidFill>
+                      <a:schemeClr val="bg1"/>
+                    </a:solidFill>
+                  </a:rPr>
+                  <a:t>3e </a:t>
+                </a:r>
+                <a:r>
+                  <a:rPr lang="fr-CH" sz="4800">
+                    <a:solidFill>
+                      <a:schemeClr val="bg1"/>
+                    </a:solidFill>
+                  </a:rPr>
+                  <a:t>étagère </a:t>
+                </a:r>
+                <a:r>
+                  <a:rPr lang="fr-CH" sz="4800" smtClean="0">
+                    <a:solidFill>
+                      <a:schemeClr val="bg1"/>
+                    </a:solidFill>
+                  </a:rPr>
+                  <a:t>doit être 2 </a:t>
+                </a:r>
+                <a:r>
+                  <a:rPr lang="fr-CH" sz="4800" dirty="0">
+                    <a:solidFill>
+                      <a:schemeClr val="bg1"/>
+                    </a:solidFill>
+                  </a:rPr>
+                  <a:t>fois plus petite que la </a:t>
                 </a:r>
                 <a:r>
                   <a:rPr lang="fr-CH" sz="4800" dirty="0" smtClean="0">
@@ -4002,125 +4148,263 @@
         </p:grpSp>
         <p:sp>
           <p:nvSpPr>
-            <p:cNvPr id="21" name="Flèche vers le bas 20"/>
-            <p:cNvSpPr/>
+            <p:cNvPr id="26" name="ZoneTexte 25"/>
+            <p:cNvSpPr txBox="1"/>
             <p:nvPr/>
           </p:nvSpPr>
           <p:spPr>
             <a:xfrm>
-              <a:off x="20157681" y="30308085"/>
-              <a:ext cx="1273570" cy="2156003"/>
+              <a:off x="18708282" y="10972001"/>
+              <a:ext cx="11279713" cy="2862322"/>
             </a:xfrm>
-            <a:prstGeom prst="downArrow">
+            <a:prstGeom prst="rect">
+              <a:avLst/>
+            </a:prstGeom>
+            <a:noFill/>
+          </p:spPr>
+          <p:txBody>
+            <a:bodyPr wrap="square" rtlCol="0">
+              <a:spAutoFit/>
+            </a:bodyPr>
+            <a:lstStyle/>
+            <a:p>
+              <a:r>
+                <a:rPr lang="fr-CH" sz="6000" dirty="0" smtClean="0"/>
+                <a:t>Ne </a:t>
+              </a:r>
+              <a:r>
+                <a:rPr lang="fr-CH" sz="6000" dirty="0"/>
+                <a:t>vous affolez pas ! Ce problème peut aisément être résolu à l'aide de simple système </a:t>
+              </a:r>
+            </a:p>
+          </p:txBody>
+        </p:sp>
+      </p:grpSp>
+      <p:grpSp>
+        <p:nvGrpSpPr>
+          <p:cNvPr id="41" name="Groupe 40"/>
+          <p:cNvGrpSpPr/>
+          <p:nvPr/>
+        </p:nvGrpSpPr>
+        <p:grpSpPr>
+          <a:xfrm>
+            <a:off x="1553103" y="1457118"/>
+            <a:ext cx="26427310" cy="3019735"/>
+            <a:chOff x="1658709" y="1061747"/>
+            <a:chExt cx="26427310" cy="3019735"/>
+          </a:xfrm>
+        </p:grpSpPr>
+        <p:sp>
+          <p:nvSpPr>
+            <p:cNvPr id="22" name="ZoneTexte 21"/>
+            <p:cNvSpPr txBox="1"/>
+            <p:nvPr/>
+          </p:nvSpPr>
+          <p:spPr>
+            <a:xfrm>
+              <a:off x="2386771" y="1305587"/>
+              <a:ext cx="24505920" cy="2554545"/>
+            </a:xfrm>
+            <a:prstGeom prst="rect">
+              <a:avLst/>
+            </a:prstGeom>
+            <a:solidFill>
+              <a:schemeClr val="bg2"/>
+            </a:solidFill>
+            <a:ln>
+              <a:solidFill>
+                <a:schemeClr val="bg2"/>
+              </a:solidFill>
+            </a:ln>
+          </p:spPr>
+          <p:txBody>
+            <a:bodyPr wrap="square" rtlCol="0">
+              <a:spAutoFit/>
+            </a:bodyPr>
+            <a:lstStyle/>
+            <a:p>
+              <a:pPr algn="ctr"/>
+              <a:r>
+                <a:rPr lang="fr-FR" sz="8000" b="1" dirty="0"/>
+                <a:t>Réalisation </a:t>
+              </a:r>
+              <a:r>
+                <a:rPr lang="fr-FR" sz="8000" b="1" dirty="0" smtClean="0"/>
+                <a:t>d’une </a:t>
+              </a:r>
+              <a:r>
+                <a:rPr lang="fr-FR" sz="8000" b="1" dirty="0"/>
+                <a:t>animation permettant la résolution d’un système de m équations à n </a:t>
+              </a:r>
+              <a:r>
+                <a:rPr lang="fr-FR" sz="8000" b="1" dirty="0"/>
+                <a:t>inconnues</a:t>
+              </a:r>
+              <a:endParaRPr lang="fr-CH" sz="8000" b="1" dirty="0"/>
+            </a:p>
+          </p:txBody>
+        </p:sp>
+        <p:cxnSp>
+          <p:nvCxnSpPr>
+            <p:cNvPr id="7" name="Connecteur droit 6"/>
+            <p:cNvCxnSpPr/>
+            <p:nvPr/>
+          </p:nvCxnSpPr>
+          <p:spPr>
+            <a:xfrm>
+              <a:off x="1658710" y="4081482"/>
+              <a:ext cx="26427309" cy="0"/>
+            </a:xfrm>
+            <a:prstGeom prst="line">
               <a:avLst/>
             </a:prstGeom>
           </p:spPr>
           <p:style>
-            <a:lnRef idx="2">
-              <a:schemeClr val="accent1">
-                <a:shade val="50000"/>
-              </a:schemeClr>
+            <a:lnRef idx="1">
+              <a:schemeClr val="dk1"/>
             </a:lnRef>
-            <a:fillRef idx="1">
-              <a:schemeClr val="accent1"/>
+            <a:fillRef idx="0">
+              <a:schemeClr val="dk1"/>
             </a:fillRef>
             <a:effectRef idx="0">
-              <a:schemeClr val="accent1"/>
+              <a:schemeClr val="dk1"/>
             </a:effectRef>
             <a:fontRef idx="minor">
-              <a:schemeClr val="lt1"/>
+              <a:schemeClr val="tx1"/>
             </a:fontRef>
           </p:style>
-          <p:txBody>
-            <a:bodyPr rtlCol="0" anchor="ctr"/>
-            <a:lstStyle/>
-            <a:p>
-              <a:pPr algn="ctr"/>
-              <a:endParaRPr lang="fr-CH"/>
-            </a:p>
-          </p:txBody>
-        </p:sp>
-        <p:sp>
-          <p:nvSpPr>
-            <p:cNvPr id="37" name="Flèche vers le bas 36"/>
-            <p:cNvSpPr/>
+        </p:cxnSp>
+        <p:cxnSp>
+          <p:nvCxnSpPr>
+            <p:cNvPr id="40" name="Connecteur droit 39"/>
+            <p:cNvCxnSpPr/>
             <p:nvPr/>
-          </p:nvSpPr>
+          </p:nvCxnSpPr>
           <p:spPr>
             <a:xfrm>
-              <a:off x="20361043" y="21778337"/>
-              <a:ext cx="1070208" cy="2387309"/>
+              <a:off x="1658709" y="1061747"/>
+              <a:ext cx="26427309" cy="0"/>
             </a:xfrm>
-            <a:prstGeom prst="downArrow">
+            <a:prstGeom prst="line">
               <a:avLst/>
             </a:prstGeom>
           </p:spPr>
           <p:style>
-            <a:lnRef idx="2">
-              <a:schemeClr val="accent1">
-                <a:shade val="50000"/>
-              </a:schemeClr>
+            <a:lnRef idx="1">
+              <a:schemeClr val="dk1"/>
             </a:lnRef>
-            <a:fillRef idx="1">
-              <a:schemeClr val="accent1"/>
+            <a:fillRef idx="0">
+              <a:schemeClr val="dk1"/>
             </a:fillRef>
             <a:effectRef idx="0">
-              <a:schemeClr val="accent1"/>
+              <a:schemeClr val="dk1"/>
             </a:effectRef>
             <a:fontRef idx="minor">
-              <a:schemeClr val="lt1"/>
+              <a:schemeClr val="tx1"/>
             </a:fontRef>
           </p:style>
-          <p:txBody>
-            <a:bodyPr rtlCol="0" anchor="ctr"/>
-            <a:lstStyle/>
-            <a:p>
-              <a:pPr algn="ctr"/>
-              <a:endParaRPr lang="fr-CH"/>
-            </a:p>
-          </p:txBody>
-        </p:sp>
-        <p:sp>
-          <p:nvSpPr>
-            <p:cNvPr id="38" name="Flèche vers le bas 37"/>
-            <p:cNvSpPr/>
-            <p:nvPr/>
-          </p:nvSpPr>
-          <p:spPr>
-            <a:xfrm>
-              <a:off x="20361043" y="13170076"/>
-              <a:ext cx="1070208" cy="2373086"/>
-            </a:xfrm>
-            <a:prstGeom prst="downArrow">
-              <a:avLst/>
-            </a:prstGeom>
-          </p:spPr>
-          <p:style>
-            <a:lnRef idx="2">
-              <a:schemeClr val="accent1">
-                <a:shade val="50000"/>
-              </a:schemeClr>
-            </a:lnRef>
-            <a:fillRef idx="1">
-              <a:schemeClr val="accent1"/>
-            </a:fillRef>
-            <a:effectRef idx="0">
-              <a:schemeClr val="accent1"/>
-            </a:effectRef>
-            <a:fontRef idx="minor">
-              <a:schemeClr val="lt1"/>
-            </a:fontRef>
-          </p:style>
-          <p:txBody>
-            <a:bodyPr rtlCol="0" anchor="ctr"/>
-            <a:lstStyle/>
-            <a:p>
-              <a:pPr algn="ctr"/>
-              <a:endParaRPr lang="fr-CH"/>
-            </a:p>
-          </p:txBody>
-        </p:sp>
+        </p:cxnSp>
       </p:grpSp>
+      <p:sp>
+        <p:nvSpPr>
+          <p:cNvPr id="47" name="ZoneTexte 46"/>
+          <p:cNvSpPr txBox="1"/>
+          <p:nvPr/>
+        </p:nvSpPr>
+        <p:spPr>
+          <a:xfrm>
+            <a:off x="-38786011" y="-1130635"/>
+            <a:ext cx="16154888" cy="6740307"/>
+          </a:xfrm>
+          <a:prstGeom prst="rect">
+            <a:avLst/>
+          </a:prstGeom>
+          <a:noFill/>
+        </p:spPr>
+        <p:txBody>
+          <a:bodyPr wrap="square" rtlCol="0">
+            <a:spAutoFit/>
+          </a:bodyPr>
+          <a:lstStyle/>
+          <a:p>
+            <a:pPr algn="just"/>
+            <a:r>
+              <a:rPr lang="fr-CH" sz="5400" dirty="0">
+                <a:solidFill>
+                  <a:schemeClr val="bg1"/>
+                </a:solidFill>
+              </a:rPr>
+              <a:t>Vous voulez construire 3 étagères et vous avez 5 mètres de bois.</a:t>
+            </a:r>
+          </a:p>
+          <a:p>
+            <a:pPr algn="just"/>
+            <a:r>
+              <a:rPr lang="fr-CH" sz="5400" dirty="0">
+                <a:solidFill>
+                  <a:schemeClr val="bg1"/>
+                </a:solidFill>
+              </a:rPr>
+              <a:t>La longueur de la 1ère étagère doit être supérieure de 5 mètres au triple de la longueur de la 3éme étagère moins la longueur de la 2ème.</a:t>
+            </a:r>
+          </a:p>
+          <a:p>
+            <a:pPr algn="just"/>
+            <a:r>
+              <a:rPr lang="fr-CH" sz="5400" dirty="0">
+                <a:solidFill>
+                  <a:schemeClr val="bg1"/>
+                </a:solidFill>
+              </a:rPr>
+              <a:t>De plus vous voulez que la 3e étagère soit 2 fois plus petite que la 1ére étagère.</a:t>
+            </a:r>
+          </a:p>
+          <a:p>
+            <a:pPr algn="just"/>
+            <a:endParaRPr lang="fr-CH" sz="5400" dirty="0"/>
+          </a:p>
+        </p:txBody>
+      </p:sp>
+      <p:sp>
+        <p:nvSpPr>
+          <p:cNvPr id="48" name="Flèche vers le bas 47"/>
+          <p:cNvSpPr/>
+          <p:nvPr/>
+        </p:nvSpPr>
+        <p:spPr>
+          <a:xfrm>
+            <a:off x="4765431" y="16075585"/>
+            <a:ext cx="2929348" cy="3047026"/>
+          </a:xfrm>
+          <a:prstGeom prst="downArrow">
+            <a:avLst/>
+          </a:prstGeom>
+        </p:spPr>
+        <p:style>
+          <a:lnRef idx="2">
+            <a:schemeClr val="accent1">
+              <a:shade val="50000"/>
+            </a:schemeClr>
+          </a:lnRef>
+          <a:fillRef idx="1">
+            <a:schemeClr val="accent1"/>
+          </a:fillRef>
+          <a:effectRef idx="0">
+            <a:schemeClr val="accent1"/>
+          </a:effectRef>
+          <a:fontRef idx="minor">
+            <a:schemeClr val="lt1"/>
+          </a:fontRef>
+        </p:style>
+        <p:txBody>
+          <a:bodyPr rtlCol="0" anchor="ctr"/>
+          <a:lstStyle/>
+          <a:p>
+            <a:pPr algn="ctr"/>
+            <a:endParaRPr lang="fr-CH"/>
+          </a:p>
+        </p:txBody>
+      </p:sp>
     </p:spTree>
     <p:extLst>
       <p:ext uri="{BB962C8B-B14F-4D97-AF65-F5344CB8AC3E}">

--- a/4. Cloture/Poster.pptx
+++ b/4. Cloture/Poster.pptx
@@ -243,7 +243,7 @@
           <a:p>
             <a:fld id="{E0381BB4-C990-4DF4-8959-6F2C2E612988}" type="datetimeFigureOut">
               <a:rPr lang="fr-CH" smtClean="0"/>
-              <a:t>01.06.2015</a:t>
+              <a:t>03.06.2015</a:t>
             </a:fld>
             <a:endParaRPr lang="fr-CH"/>
           </a:p>
@@ -420,7 +420,7 @@
           <a:p>
             <a:fld id="{E0381BB4-C990-4DF4-8959-6F2C2E612988}" type="datetimeFigureOut">
               <a:rPr lang="fr-CH" smtClean="0"/>
-              <a:t>01.06.2015</a:t>
+              <a:t>03.06.2015</a:t>
             </a:fld>
             <a:endParaRPr lang="fr-CH"/>
           </a:p>
@@ -600,7 +600,7 @@
           <a:p>
             <a:fld id="{E0381BB4-C990-4DF4-8959-6F2C2E612988}" type="datetimeFigureOut">
               <a:rPr lang="fr-CH" smtClean="0"/>
-              <a:t>01.06.2015</a:t>
+              <a:t>03.06.2015</a:t>
             </a:fld>
             <a:endParaRPr lang="fr-CH"/>
           </a:p>
@@ -770,7 +770,7 @@
           <a:p>
             <a:fld id="{E0381BB4-C990-4DF4-8959-6F2C2E612988}" type="datetimeFigureOut">
               <a:rPr lang="fr-CH" smtClean="0"/>
-              <a:t>01.06.2015</a:t>
+              <a:t>03.06.2015</a:t>
             </a:fld>
             <a:endParaRPr lang="fr-CH"/>
           </a:p>
@@ -1021,7 +1021,7 @@
           <a:p>
             <a:fld id="{E0381BB4-C990-4DF4-8959-6F2C2E612988}" type="datetimeFigureOut">
               <a:rPr lang="fr-CH" smtClean="0"/>
-              <a:t>01.06.2015</a:t>
+              <a:t>03.06.2015</a:t>
             </a:fld>
             <a:endParaRPr lang="fr-CH"/>
           </a:p>
@@ -1260,7 +1260,7 @@
           <a:p>
             <a:fld id="{E0381BB4-C990-4DF4-8959-6F2C2E612988}" type="datetimeFigureOut">
               <a:rPr lang="fr-CH" smtClean="0"/>
-              <a:t>01.06.2015</a:t>
+              <a:t>03.06.2015</a:t>
             </a:fld>
             <a:endParaRPr lang="fr-CH"/>
           </a:p>
@@ -1634,7 +1634,7 @@
           <a:p>
             <a:fld id="{E0381BB4-C990-4DF4-8959-6F2C2E612988}" type="datetimeFigureOut">
               <a:rPr lang="fr-CH" smtClean="0"/>
-              <a:t>01.06.2015</a:t>
+              <a:t>03.06.2015</a:t>
             </a:fld>
             <a:endParaRPr lang="fr-CH"/>
           </a:p>
@@ -1752,7 +1752,7 @@
           <a:p>
             <a:fld id="{E0381BB4-C990-4DF4-8959-6F2C2E612988}" type="datetimeFigureOut">
               <a:rPr lang="fr-CH" smtClean="0"/>
-              <a:t>01.06.2015</a:t>
+              <a:t>03.06.2015</a:t>
             </a:fld>
             <a:endParaRPr lang="fr-CH"/>
           </a:p>
@@ -1847,7 +1847,7 @@
           <a:p>
             <a:fld id="{E0381BB4-C990-4DF4-8959-6F2C2E612988}" type="datetimeFigureOut">
               <a:rPr lang="fr-CH" smtClean="0"/>
-              <a:t>01.06.2015</a:t>
+              <a:t>03.06.2015</a:t>
             </a:fld>
             <a:endParaRPr lang="fr-CH"/>
           </a:p>
@@ -2124,7 +2124,7 @@
           <a:p>
             <a:fld id="{E0381BB4-C990-4DF4-8959-6F2C2E612988}" type="datetimeFigureOut">
               <a:rPr lang="fr-CH" smtClean="0"/>
-              <a:t>01.06.2015</a:t>
+              <a:t>03.06.2015</a:t>
             </a:fld>
             <a:endParaRPr lang="fr-CH"/>
           </a:p>
@@ -2381,7 +2381,7 @@
           <a:p>
             <a:fld id="{E0381BB4-C990-4DF4-8959-6F2C2E612988}" type="datetimeFigureOut">
               <a:rPr lang="fr-CH" smtClean="0"/>
-              <a:t>01.06.2015</a:t>
+              <a:t>03.06.2015</a:t>
             </a:fld>
             <a:endParaRPr lang="fr-CH"/>
           </a:p>
@@ -2594,7 +2594,7 @@
           <a:p>
             <a:fld id="{E0381BB4-C990-4DF4-8959-6F2C2E612988}" type="datetimeFigureOut">
               <a:rPr lang="fr-CH" smtClean="0"/>
-              <a:t>01.06.2015</a:t>
+              <a:t>03.06.2015</a:t>
             </a:fld>
             <a:endParaRPr lang="fr-CH"/>
           </a:p>
@@ -3015,7 +3015,7 @@
         <p:spPr>
           <a:xfrm>
             <a:off x="0" y="6838670"/>
-            <a:ext cx="30275213" cy="36702352"/>
+            <a:ext cx="30275213" cy="35965093"/>
           </a:xfrm>
           <a:prstGeom prst="rect">
             <a:avLst/>
@@ -3302,88 +3302,6 @@
           </a:p>
         </p:txBody>
       </p:sp>
-      <p:sp>
-        <p:nvSpPr>
-          <p:cNvPr id="32" name="ZoneTexte 31"/>
-          <p:cNvSpPr txBox="1"/>
-          <p:nvPr/>
-        </p:nvSpPr>
-        <p:spPr>
-          <a:xfrm>
-            <a:off x="-33238440" y="33947224"/>
-            <a:ext cx="10911840" cy="3171798"/>
-          </a:xfrm>
-          <a:prstGeom prst="rect">
-            <a:avLst/>
-          </a:prstGeom>
-          <a:noFill/>
-        </p:spPr>
-        <p:txBody>
-          <a:bodyPr wrap="square" rtlCol="0">
-            <a:spAutoFit/>
-          </a:bodyPr>
-          <a:lstStyle/>
-          <a:p>
-            <a:r>
-              <a:rPr lang="fr-CH" b="1" dirty="0" smtClean="0"/>
-              <a:t>Résolution algébrique</a:t>
-            </a:r>
-            <a:br>
-              <a:rPr lang="fr-CH" b="1" dirty="0" smtClean="0"/>
-            </a:br>
-            <a:r>
-              <a:rPr lang="fr-CH" dirty="0" smtClean="0"/>
-              <a:t>Vous avez résolu le système à l’aide </a:t>
-            </a:r>
-            <a:r>
-              <a:rPr lang="fr-CH" dirty="0" smtClean="0"/>
-              <a:t>de notre programme.</a:t>
-            </a:r>
-            <a:endParaRPr lang="fr-CH" dirty="0"/>
-          </a:p>
-        </p:txBody>
-      </p:sp>
-      <p:sp>
-        <p:nvSpPr>
-          <p:cNvPr id="33" name="ZoneTexte 32"/>
-          <p:cNvSpPr txBox="1"/>
-          <p:nvPr/>
-        </p:nvSpPr>
-        <p:spPr>
-          <a:xfrm>
-            <a:off x="774185" y="35533123"/>
-            <a:ext cx="10911840" cy="4198868"/>
-          </a:xfrm>
-          <a:prstGeom prst="rect">
-            <a:avLst/>
-          </a:prstGeom>
-          <a:noFill/>
-        </p:spPr>
-        <p:txBody>
-          <a:bodyPr wrap="square" rtlCol="0">
-            <a:spAutoFit/>
-          </a:bodyPr>
-          <a:lstStyle/>
-          <a:p>
-            <a:r>
-              <a:rPr lang="fr-CH" b="1" dirty="0" smtClean="0"/>
-              <a:t>Visualisation géométrique</a:t>
-            </a:r>
-            <a:br>
-              <a:rPr lang="fr-CH" b="1" dirty="0" smtClean="0"/>
-            </a:br>
-            <a:r>
-              <a:rPr lang="fr-CH" dirty="0" smtClean="0"/>
-              <a:t>Vous pouvez visualiser la </a:t>
-            </a:r>
-            <a:r>
-              <a:rPr lang="fr-CH" dirty="0" smtClean="0"/>
-              <a:t>situation pour les système à trois inconnues.</a:t>
-            </a:r>
-            <a:endParaRPr lang="fr-CH" dirty="0"/>
-          </a:p>
-        </p:txBody>
-      </p:sp>
       <p:pic>
         <p:nvPicPr>
           <p:cNvPr id="3" name="Image 2"/>
@@ -3406,7 +3324,7 @@
         </p:blipFill>
         <p:spPr>
           <a:xfrm>
-            <a:off x="23865733" y="42188979"/>
+            <a:off x="23865733" y="41389601"/>
             <a:ext cx="6053917" cy="993196"/>
           </a:xfrm>
           <a:prstGeom prst="rect">
@@ -3436,7 +3354,7 @@
         </p:blipFill>
         <p:spPr>
           <a:xfrm>
-            <a:off x="465382" y="42240063"/>
+            <a:off x="326874" y="41484651"/>
             <a:ext cx="3645924" cy="993196"/>
           </a:xfrm>
           <a:prstGeom prst="rect">
@@ -3444,742 +3362,6 @@
           </a:prstGeom>
         </p:spPr>
       </p:pic>
-      <p:sp>
-        <p:nvSpPr>
-          <p:cNvPr id="14" name="Rectangle à coins arrondis 13"/>
-          <p:cNvSpPr/>
-          <p:nvPr/>
-        </p:nvSpPr>
-        <p:spPr>
-          <a:xfrm>
-            <a:off x="-18931977" y="34446337"/>
-            <a:ext cx="11186908" cy="5345369"/>
-          </a:xfrm>
-          <a:prstGeom prst="roundRect">
-            <a:avLst/>
-          </a:prstGeom>
-        </p:spPr>
-        <p:style>
-          <a:lnRef idx="2">
-            <a:schemeClr val="accent1">
-              <a:shade val="50000"/>
-            </a:schemeClr>
-          </a:lnRef>
-          <a:fillRef idx="1">
-            <a:schemeClr val="accent1"/>
-          </a:fillRef>
-          <a:effectRef idx="0">
-            <a:schemeClr val="accent1"/>
-          </a:effectRef>
-          <a:fontRef idx="minor">
-            <a:schemeClr val="lt1"/>
-          </a:fontRef>
-        </p:style>
-        <p:txBody>
-          <a:bodyPr rtlCol="0" anchor="ctr"/>
-          <a:lstStyle/>
-          <a:p>
-            <a:pPr algn="ctr"/>
-            <a:r>
-              <a:rPr lang="fr-CH" sz="8800" dirty="0" smtClean="0"/>
-              <a:t>x </a:t>
-            </a:r>
-            <a:r>
-              <a:rPr lang="fr-CH" sz="8800" dirty="0"/>
-              <a:t>= 1.6 mètres</a:t>
-            </a:r>
-          </a:p>
-          <a:p>
-            <a:pPr algn="ctr"/>
-            <a:r>
-              <a:rPr lang="fr-CH" sz="8800" dirty="0"/>
-              <a:t>y = 2.6 </a:t>
-            </a:r>
-            <a:r>
-              <a:rPr lang="fr-CH" sz="8800" dirty="0" smtClean="0"/>
-              <a:t>mètres</a:t>
-            </a:r>
-          </a:p>
-          <a:p>
-            <a:pPr algn="ctr"/>
-            <a:r>
-              <a:rPr lang="fr-CH" sz="8800" dirty="0" smtClean="0"/>
-              <a:t>z </a:t>
-            </a:r>
-            <a:r>
-              <a:rPr lang="fr-CH" sz="8800" dirty="0"/>
-              <a:t>= 0.8 </a:t>
-            </a:r>
-            <a:r>
-              <a:rPr lang="fr-CH" sz="8800" dirty="0" smtClean="0"/>
-              <a:t>mètre</a:t>
-            </a:r>
-            <a:endParaRPr lang="fr-CH" sz="8800" dirty="0"/>
-          </a:p>
-        </p:txBody>
-      </p:sp>
-      <p:grpSp>
-        <p:nvGrpSpPr>
-          <p:cNvPr id="9" name="Groupe 8"/>
-          <p:cNvGrpSpPr/>
-          <p:nvPr/>
-        </p:nvGrpSpPr>
-        <p:grpSpPr>
-          <a:xfrm>
-            <a:off x="15562774" y="34548303"/>
-            <a:ext cx="11477663" cy="9334417"/>
-            <a:chOff x="1100619" y="33115039"/>
-            <a:chExt cx="11477663" cy="9514535"/>
-          </a:xfrm>
-        </p:grpSpPr>
-        <p:sp>
-          <p:nvSpPr>
-            <p:cNvPr id="13" name="Rectangle à coins arrondis 12"/>
-            <p:cNvSpPr/>
-            <p:nvPr/>
-          </p:nvSpPr>
-          <p:spPr>
-            <a:xfrm>
-              <a:off x="1100619" y="33115039"/>
-              <a:ext cx="11477663" cy="8660336"/>
-            </a:xfrm>
-            <a:prstGeom prst="roundRect">
-              <a:avLst/>
-            </a:prstGeom>
-          </p:spPr>
-          <p:style>
-            <a:lnRef idx="2">
-              <a:schemeClr val="accent1">
-                <a:shade val="50000"/>
-              </a:schemeClr>
-            </a:lnRef>
-            <a:fillRef idx="1">
-              <a:schemeClr val="accent1"/>
-            </a:fillRef>
-            <a:effectRef idx="0">
-              <a:schemeClr val="accent1"/>
-            </a:effectRef>
-            <a:fontRef idx="minor">
-              <a:schemeClr val="lt1"/>
-            </a:fontRef>
-          </p:style>
-          <p:txBody>
-            <a:bodyPr rtlCol="0" anchor="ctr"/>
-            <a:lstStyle/>
-            <a:p>
-              <a:pPr algn="ctr"/>
-              <a:endParaRPr lang="fr-CH" sz="4400" dirty="0"/>
-            </a:p>
-          </p:txBody>
-        </p:sp>
-        <p:pic>
-          <p:nvPicPr>
-            <p:cNvPr id="2" name="Image 1"/>
-            <p:cNvPicPr>
-              <a:picLocks noChangeAspect="1"/>
-            </p:cNvPicPr>
-            <p:nvPr/>
-          </p:nvPicPr>
-          <p:blipFill>
-            <a:blip r:embed="rId4">
-              <a:extLst>
-                <a:ext uri="{28A0092B-C50C-407E-A947-70E740481C1C}">
-                  <a14:useLocalDpi xmlns:a14="http://schemas.microsoft.com/office/drawing/2010/main" val="0"/>
-                </a:ext>
-              </a:extLst>
-            </a:blip>
-            <a:stretch>
-              <a:fillRect/>
-            </a:stretch>
-          </p:blipFill>
-          <p:spPr>
-            <a:xfrm>
-              <a:off x="2576354" y="33731982"/>
-              <a:ext cx="8688012" cy="8897592"/>
-            </a:xfrm>
-            <a:prstGeom prst="rect">
-              <a:avLst/>
-            </a:prstGeom>
-          </p:spPr>
-        </p:pic>
-      </p:grpSp>
-      <p:grpSp>
-        <p:nvGrpSpPr>
-          <p:cNvPr id="57" name="Groupe 56"/>
-          <p:cNvGrpSpPr/>
-          <p:nvPr/>
-        </p:nvGrpSpPr>
-        <p:grpSpPr>
-          <a:xfrm>
-            <a:off x="559149" y="17611683"/>
-            <a:ext cx="29156914" cy="9093363"/>
-            <a:chOff x="543864" y="7570848"/>
-            <a:chExt cx="29156914" cy="9093363"/>
-          </a:xfrm>
-        </p:grpSpPr>
-        <p:sp>
-          <p:nvSpPr>
-            <p:cNvPr id="58" name="Rectangle à coins arrondis 57"/>
-            <p:cNvSpPr/>
-            <p:nvPr/>
-          </p:nvSpPr>
-          <p:spPr>
-            <a:xfrm>
-              <a:off x="543864" y="7570848"/>
-              <a:ext cx="29156914" cy="9093363"/>
-            </a:xfrm>
-            <a:prstGeom prst="roundRect">
-              <a:avLst/>
-            </a:prstGeom>
-            <a:solidFill>
-              <a:schemeClr val="accent1">
-                <a:lumMod val="60000"/>
-                <a:lumOff val="40000"/>
-              </a:schemeClr>
-            </a:solidFill>
-          </p:spPr>
-          <p:style>
-            <a:lnRef idx="2">
-              <a:schemeClr val="accent1">
-                <a:shade val="50000"/>
-              </a:schemeClr>
-            </a:lnRef>
-            <a:fillRef idx="1">
-              <a:schemeClr val="accent1"/>
-            </a:fillRef>
-            <a:effectRef idx="0">
-              <a:schemeClr val="accent1"/>
-            </a:effectRef>
-            <a:fontRef idx="minor">
-              <a:schemeClr val="lt1"/>
-            </a:fontRef>
-          </p:style>
-          <p:txBody>
-            <a:bodyPr rtlCol="0" anchor="t"/>
-            <a:lstStyle/>
-            <a:p>
-              <a:pPr algn="ctr"/>
-              <a:r>
-                <a:rPr lang="fr-CH" b="1" dirty="0">
-                  <a:solidFill>
-                    <a:schemeClr val="tx1"/>
-                  </a:solidFill>
-                </a:rPr>
-                <a:t>Vulgarisation mathématique</a:t>
-              </a:r>
-            </a:p>
-          </p:txBody>
-        </p:sp>
-        <p:sp>
-          <p:nvSpPr>
-            <p:cNvPr id="61" name="Rectangle à coins arrondis 60"/>
-            <p:cNvSpPr/>
-            <p:nvPr/>
-          </p:nvSpPr>
-          <p:spPr>
-            <a:xfrm>
-              <a:off x="900715" y="9423474"/>
-              <a:ext cx="10824709" cy="6328455"/>
-            </a:xfrm>
-            <a:prstGeom prst="roundRect">
-              <a:avLst/>
-            </a:prstGeom>
-          </p:spPr>
-          <p:style>
-            <a:lnRef idx="2">
-              <a:schemeClr val="accent1">
-                <a:shade val="50000"/>
-              </a:schemeClr>
-            </a:lnRef>
-            <a:fillRef idx="1">
-              <a:schemeClr val="accent1"/>
-            </a:fillRef>
-            <a:effectRef idx="0">
-              <a:schemeClr val="accent1"/>
-            </a:effectRef>
-            <a:fontRef idx="minor">
-              <a:schemeClr val="lt1"/>
-            </a:fontRef>
-          </p:style>
-          <p:txBody>
-            <a:bodyPr tIns="36000" bIns="36000" rtlCol="0" anchor="ctr"/>
-            <a:lstStyle/>
-            <a:p>
-              <a:pPr algn="ctr"/>
-              <a:r>
-                <a:rPr lang="pl-PL" sz="8800" dirty="0"/>
-                <a:t>x + y + z = 5</a:t>
-              </a:r>
-            </a:p>
-            <a:p>
-              <a:pPr algn="ctr"/>
-              <a:r>
-                <a:rPr lang="fr-CH" sz="8800" dirty="0"/>
-                <a:t>  </a:t>
-              </a:r>
-              <a:r>
-                <a:rPr lang="pl-PL" sz="8800" dirty="0"/>
-                <a:t>x = 3z</a:t>
-              </a:r>
-              <a:r>
-                <a:rPr lang="fr-CH" sz="8800" dirty="0"/>
-                <a:t> – y + </a:t>
-              </a:r>
-              <a:r>
-                <a:rPr lang="fr-CH" sz="8800" dirty="0" smtClean="0"/>
-                <a:t>5</a:t>
-              </a:r>
-            </a:p>
-            <a:p>
-              <a:pPr algn="ctr"/>
-              <a:r>
-                <a:rPr lang="pl-PL" sz="8800" dirty="0" smtClean="0"/>
-                <a:t>z </a:t>
-              </a:r>
-              <a:r>
-                <a:rPr lang="pl-PL" sz="8800" dirty="0"/>
-                <a:t>= </a:t>
-              </a:r>
-              <a:r>
-                <a:rPr lang="pl-PL" sz="8800" dirty="0" smtClean="0"/>
-                <a:t>0.5x</a:t>
-              </a:r>
-              <a:endParaRPr lang="fr-CH" sz="8800" dirty="0"/>
-            </a:p>
-          </p:txBody>
-        </p:sp>
-        <p:sp>
-          <p:nvSpPr>
-            <p:cNvPr id="60" name="ZoneTexte 59"/>
-            <p:cNvSpPr txBox="1"/>
-            <p:nvPr/>
-          </p:nvSpPr>
-          <p:spPr>
-            <a:xfrm>
-              <a:off x="15884842" y="11618205"/>
-              <a:ext cx="11279713" cy="1938992"/>
-            </a:xfrm>
-            <a:prstGeom prst="rect">
-              <a:avLst/>
-            </a:prstGeom>
-            <a:noFill/>
-          </p:spPr>
-          <p:txBody>
-            <a:bodyPr wrap="square" rtlCol="0">
-              <a:spAutoFit/>
-            </a:bodyPr>
-            <a:lstStyle/>
-            <a:p>
-              <a:r>
-                <a:rPr lang="fr-CH" sz="6000" dirty="0"/>
-                <a:t>Vous traduisez le problème en un système d’équations linéaire.</a:t>
-              </a:r>
-              <a:endParaRPr lang="fr-CH" sz="6000" dirty="0"/>
-            </a:p>
-          </p:txBody>
-        </p:sp>
-      </p:grpSp>
-      <p:sp>
-        <p:nvSpPr>
-          <p:cNvPr id="21" name="Flèche vers le bas 20"/>
-          <p:cNvSpPr/>
-          <p:nvPr/>
-        </p:nvSpPr>
-        <p:spPr>
-          <a:xfrm>
-            <a:off x="34076184" y="32826115"/>
-            <a:ext cx="1273570" cy="2115188"/>
-          </a:xfrm>
-          <a:prstGeom prst="downArrow">
-            <a:avLst/>
-          </a:prstGeom>
-        </p:spPr>
-        <p:style>
-          <a:lnRef idx="2">
-            <a:schemeClr val="accent1">
-              <a:shade val="50000"/>
-            </a:schemeClr>
-          </a:lnRef>
-          <a:fillRef idx="1">
-            <a:schemeClr val="accent1"/>
-          </a:fillRef>
-          <a:effectRef idx="0">
-            <a:schemeClr val="accent1"/>
-          </a:effectRef>
-          <a:fontRef idx="minor">
-            <a:schemeClr val="lt1"/>
-          </a:fontRef>
-        </p:style>
-        <p:txBody>
-          <a:bodyPr rtlCol="0" anchor="ctr"/>
-          <a:lstStyle/>
-          <a:p>
-            <a:pPr algn="ctr"/>
-            <a:endParaRPr lang="fr-CH"/>
-          </a:p>
-        </p:txBody>
-      </p:sp>
-      <p:sp>
-        <p:nvSpPr>
-          <p:cNvPr id="37" name="Flèche vers le bas 36"/>
-          <p:cNvSpPr/>
-          <p:nvPr/>
-        </p:nvSpPr>
-        <p:spPr>
-          <a:xfrm>
-            <a:off x="32121504" y="27907194"/>
-            <a:ext cx="1070208" cy="2342115"/>
-          </a:xfrm>
-          <a:prstGeom prst="downArrow">
-            <a:avLst/>
-          </a:prstGeom>
-        </p:spPr>
-        <p:style>
-          <a:lnRef idx="2">
-            <a:schemeClr val="accent1">
-              <a:shade val="50000"/>
-            </a:schemeClr>
-          </a:lnRef>
-          <a:fillRef idx="1">
-            <a:schemeClr val="accent1"/>
-          </a:fillRef>
-          <a:effectRef idx="0">
-            <a:schemeClr val="accent1"/>
-          </a:effectRef>
-          <a:fontRef idx="minor">
-            <a:schemeClr val="lt1"/>
-          </a:fontRef>
-        </p:style>
-        <p:txBody>
-          <a:bodyPr rtlCol="0" anchor="ctr"/>
-          <a:lstStyle/>
-          <a:p>
-            <a:pPr algn="ctr"/>
-            <a:endParaRPr lang="fr-CH"/>
-          </a:p>
-        </p:txBody>
-      </p:sp>
-      <p:sp>
-        <p:nvSpPr>
-          <p:cNvPr id="38" name="Flèche vers le bas 37"/>
-          <p:cNvSpPr/>
-          <p:nvPr/>
-        </p:nvSpPr>
-        <p:spPr>
-          <a:xfrm>
-            <a:off x="31586400" y="23808599"/>
-            <a:ext cx="1070208" cy="2328162"/>
-          </a:xfrm>
-          <a:prstGeom prst="downArrow">
-            <a:avLst/>
-          </a:prstGeom>
-        </p:spPr>
-        <p:style>
-          <a:lnRef idx="2">
-            <a:schemeClr val="accent1">
-              <a:shade val="50000"/>
-            </a:schemeClr>
-          </a:lnRef>
-          <a:fillRef idx="1">
-            <a:schemeClr val="accent1"/>
-          </a:fillRef>
-          <a:effectRef idx="0">
-            <a:schemeClr val="accent1"/>
-          </a:effectRef>
-          <a:fontRef idx="minor">
-            <a:schemeClr val="lt1"/>
-          </a:fontRef>
-        </p:style>
-        <p:txBody>
-          <a:bodyPr rtlCol="0" anchor="ctr"/>
-          <a:lstStyle/>
-          <a:p>
-            <a:pPr algn="ctr"/>
-            <a:endParaRPr lang="fr-CH"/>
-          </a:p>
-        </p:txBody>
-      </p:sp>
-      <p:grpSp>
-        <p:nvGrpSpPr>
-          <p:cNvPr id="56" name="Groupe 55"/>
-          <p:cNvGrpSpPr/>
-          <p:nvPr/>
-        </p:nvGrpSpPr>
-        <p:grpSpPr>
-          <a:xfrm>
-            <a:off x="543864" y="7570848"/>
-            <a:ext cx="29444131" cy="9093363"/>
-            <a:chOff x="543864" y="7570848"/>
-            <a:chExt cx="29444131" cy="9093363"/>
-          </a:xfrm>
-        </p:grpSpPr>
-        <p:sp>
-          <p:nvSpPr>
-            <p:cNvPr id="49" name="Rectangle à coins arrondis 48"/>
-            <p:cNvSpPr/>
-            <p:nvPr/>
-          </p:nvSpPr>
-          <p:spPr>
-            <a:xfrm>
-              <a:off x="543864" y="7570848"/>
-              <a:ext cx="29156914" cy="9093363"/>
-            </a:xfrm>
-            <a:prstGeom prst="roundRect">
-              <a:avLst/>
-            </a:prstGeom>
-            <a:solidFill>
-              <a:schemeClr val="accent1">
-                <a:lumMod val="60000"/>
-                <a:lumOff val="40000"/>
-              </a:schemeClr>
-            </a:solidFill>
-          </p:spPr>
-          <p:style>
-            <a:lnRef idx="2">
-              <a:schemeClr val="accent1">
-                <a:shade val="50000"/>
-              </a:schemeClr>
-            </a:lnRef>
-            <a:fillRef idx="1">
-              <a:schemeClr val="accent1"/>
-            </a:fillRef>
-            <a:effectRef idx="0">
-              <a:schemeClr val="accent1"/>
-            </a:effectRef>
-            <a:fontRef idx="minor">
-              <a:schemeClr val="lt1"/>
-            </a:fontRef>
-          </p:style>
-          <p:txBody>
-            <a:bodyPr rtlCol="0" anchor="t"/>
-            <a:lstStyle/>
-            <a:p>
-              <a:pPr algn="ctr"/>
-              <a:r>
-                <a:rPr lang="fr-CH" b="1" dirty="0" smtClean="0">
-                  <a:solidFill>
-                    <a:schemeClr val="tx1"/>
-                  </a:solidFill>
-                </a:rPr>
-                <a:t>Description du problème</a:t>
-              </a:r>
-              <a:endParaRPr lang="fr-CH" b="1" dirty="0">
-                <a:solidFill>
-                  <a:schemeClr val="tx1"/>
-                </a:solidFill>
-              </a:endParaRPr>
-            </a:p>
-          </p:txBody>
-        </p:sp>
-        <p:grpSp>
-          <p:nvGrpSpPr>
-            <p:cNvPr id="25" name="Groupe 24"/>
-            <p:cNvGrpSpPr/>
-            <p:nvPr/>
-          </p:nvGrpSpPr>
-          <p:grpSpPr>
-            <a:xfrm>
-              <a:off x="900715" y="9423474"/>
-              <a:ext cx="17467290" cy="6328455"/>
-              <a:chOff x="14233916" y="10551704"/>
-              <a:chExt cx="17467290" cy="6450569"/>
-            </a:xfrm>
-          </p:grpSpPr>
-          <p:sp>
-            <p:nvSpPr>
-              <p:cNvPr id="8" name="Rectangle à coins arrondis 7"/>
-              <p:cNvSpPr/>
-              <p:nvPr/>
-            </p:nvSpPr>
-            <p:spPr>
-              <a:xfrm>
-                <a:off x="14233916" y="10551704"/>
-                <a:ext cx="17467290" cy="6450569"/>
-              </a:xfrm>
-              <a:prstGeom prst="roundRect">
-                <a:avLst/>
-              </a:prstGeom>
-            </p:spPr>
-            <p:style>
-              <a:lnRef idx="2">
-                <a:schemeClr val="accent1">
-                  <a:shade val="50000"/>
-                </a:schemeClr>
-              </a:lnRef>
-              <a:fillRef idx="1">
-                <a:schemeClr val="accent1"/>
-              </a:fillRef>
-              <a:effectRef idx="0">
-                <a:schemeClr val="accent1"/>
-              </a:effectRef>
-              <a:fontRef idx="minor">
-                <a:schemeClr val="lt1"/>
-              </a:fontRef>
-            </p:style>
-            <p:txBody>
-              <a:bodyPr tIns="36000" bIns="36000" rtlCol="0" anchor="ctr"/>
-              <a:lstStyle/>
-              <a:p>
-                <a:pPr algn="ctr"/>
-                <a:endParaRPr lang="fr-CH" sz="4800" dirty="0">
-                  <a:solidFill>
-                    <a:schemeClr val="bg1"/>
-                  </a:solidFill>
-                </a:endParaRPr>
-              </a:p>
-            </p:txBody>
-          </p:sp>
-          <p:sp>
-            <p:nvSpPr>
-              <p:cNvPr id="5" name="ZoneTexte 4"/>
-              <p:cNvSpPr txBox="1"/>
-              <p:nvPr/>
-            </p:nvSpPr>
-            <p:spPr>
-              <a:xfrm>
-                <a:off x="15173507" y="11517458"/>
-                <a:ext cx="16036938" cy="4611616"/>
-              </a:xfrm>
-              <a:prstGeom prst="rect">
-                <a:avLst/>
-              </a:prstGeom>
-              <a:noFill/>
-            </p:spPr>
-            <p:txBody>
-              <a:bodyPr wrap="square" rtlCol="0">
-                <a:spAutoFit/>
-              </a:bodyPr>
-              <a:lstStyle/>
-              <a:p>
-                <a:pPr algn="just"/>
-                <a:r>
-                  <a:rPr lang="fr-CH" sz="4800" dirty="0">
-                    <a:solidFill>
-                      <a:schemeClr val="bg1"/>
-                    </a:solidFill>
-                  </a:rPr>
-                  <a:t>Vous voulez construire 3 étagères et vous avez 5 mètres de bois.</a:t>
-                </a:r>
-              </a:p>
-              <a:p>
-                <a:pPr algn="just"/>
-                <a:r>
-                  <a:rPr lang="fr-CH" sz="4800" dirty="0">
-                    <a:solidFill>
-                      <a:schemeClr val="bg1"/>
-                    </a:solidFill>
-                  </a:rPr>
-                  <a:t>La longueur de la 1ère étagère doit être supérieure de 5 mètres au triple de la longueur de la 3éme étagère moins la longueur de la 2ème.</a:t>
-                </a:r>
-              </a:p>
-              <a:p>
-                <a:pPr algn="just"/>
-                <a:r>
-                  <a:rPr lang="fr-CH" sz="4800" dirty="0">
-                    <a:solidFill>
-                      <a:schemeClr val="bg1"/>
-                    </a:solidFill>
-                  </a:rPr>
-                  <a:t>L</a:t>
-                </a:r>
-                <a:r>
-                  <a:rPr lang="fr-CH" sz="4800" dirty="0" smtClean="0">
-                    <a:solidFill>
-                      <a:schemeClr val="bg1"/>
-                    </a:solidFill>
-                  </a:rPr>
-                  <a:t>a </a:t>
-                </a:r>
-                <a:r>
-                  <a:rPr lang="fr-CH" sz="4800" dirty="0">
-                    <a:solidFill>
-                      <a:schemeClr val="bg1"/>
-                    </a:solidFill>
-                  </a:rPr>
-                  <a:t>3e </a:t>
-                </a:r>
-                <a:r>
-                  <a:rPr lang="fr-CH" sz="4800">
-                    <a:solidFill>
-                      <a:schemeClr val="bg1"/>
-                    </a:solidFill>
-                  </a:rPr>
-                  <a:t>étagère </a:t>
-                </a:r>
-                <a:r>
-                  <a:rPr lang="fr-CH" sz="4800" smtClean="0">
-                    <a:solidFill>
-                      <a:schemeClr val="bg1"/>
-                    </a:solidFill>
-                  </a:rPr>
-                  <a:t>doit être 2 </a:t>
-                </a:r>
-                <a:r>
-                  <a:rPr lang="fr-CH" sz="4800" dirty="0">
-                    <a:solidFill>
-                      <a:schemeClr val="bg1"/>
-                    </a:solidFill>
-                  </a:rPr>
-                  <a:t>fois plus petite que la </a:t>
-                </a:r>
-                <a:r>
-                  <a:rPr lang="fr-CH" sz="4800" dirty="0" smtClean="0">
-                    <a:solidFill>
-                      <a:schemeClr val="bg1"/>
-                    </a:solidFill>
-                  </a:rPr>
-                  <a:t>1ére </a:t>
-                </a:r>
-                <a:r>
-                  <a:rPr lang="fr-CH" sz="4800" dirty="0">
-                    <a:solidFill>
-                      <a:schemeClr val="bg1"/>
-                    </a:solidFill>
-                  </a:rPr>
-                  <a:t>étagère.</a:t>
-                </a:r>
-              </a:p>
-              <a:p>
-                <a:pPr algn="just"/>
-                <a:endParaRPr lang="fr-CH" sz="4800" dirty="0"/>
-              </a:p>
-            </p:txBody>
-          </p:sp>
-        </p:grpSp>
-        <p:sp>
-          <p:nvSpPr>
-            <p:cNvPr id="26" name="ZoneTexte 25"/>
-            <p:cNvSpPr txBox="1"/>
-            <p:nvPr/>
-          </p:nvSpPr>
-          <p:spPr>
-            <a:xfrm>
-              <a:off x="18708282" y="10972001"/>
-              <a:ext cx="11279713" cy="2862322"/>
-            </a:xfrm>
-            <a:prstGeom prst="rect">
-              <a:avLst/>
-            </a:prstGeom>
-            <a:noFill/>
-          </p:spPr>
-          <p:txBody>
-            <a:bodyPr wrap="square" rtlCol="0">
-              <a:spAutoFit/>
-            </a:bodyPr>
-            <a:lstStyle/>
-            <a:p>
-              <a:r>
-                <a:rPr lang="fr-CH" sz="6000" dirty="0" smtClean="0"/>
-                <a:t>Ne </a:t>
-              </a:r>
-              <a:r>
-                <a:rPr lang="fr-CH" sz="6000" dirty="0"/>
-                <a:t>vous affolez pas ! Ce problème peut aisément être résolu à l'aide de simple système </a:t>
-              </a:r>
-            </a:p>
-          </p:txBody>
-        </p:sp>
-      </p:grpSp>
       <p:grpSp>
         <p:nvGrpSpPr>
           <p:cNvPr id="41" name="Groupe 40"/>
@@ -4234,11 +3416,7 @@
               </a:r>
               <a:r>
                 <a:rPr lang="fr-FR" sz="8000" b="1" dirty="0"/>
-                <a:t>animation permettant la résolution d’un système de m équations à n </a:t>
-              </a:r>
-              <a:r>
-                <a:rPr lang="fr-FR" sz="8000" b="1" dirty="0"/>
-                <a:t>inconnues</a:t>
+                <a:t>animation permettant la résolution d’un système de m équations à n inconnues</a:t>
               </a:r>
               <a:endParaRPr lang="fr-CH" sz="8000" b="1" dirty="0"/>
             </a:p>
@@ -4365,46 +3543,965 @@
           </a:p>
         </p:txBody>
       </p:sp>
-      <p:sp>
-        <p:nvSpPr>
-          <p:cNvPr id="48" name="Flèche vers le bas 47"/>
-          <p:cNvSpPr/>
+      <p:grpSp>
+        <p:nvGrpSpPr>
+          <p:cNvPr id="10" name="Groupe 9"/>
+          <p:cNvGrpSpPr/>
           <p:nvPr/>
-        </p:nvSpPr>
-        <p:spPr>
+        </p:nvGrpSpPr>
+        <p:grpSpPr>
           <a:xfrm>
-            <a:off x="4765431" y="16075585"/>
-            <a:ext cx="2929348" cy="3047026"/>
+            <a:off x="465382" y="7570848"/>
+            <a:ext cx="29522613" cy="33756414"/>
+            <a:chOff x="465382" y="7570848"/>
+            <a:chExt cx="29522613" cy="41433428"/>
           </a:xfrm>
-          <a:prstGeom prst="downArrow">
-            <a:avLst/>
-          </a:prstGeom>
-        </p:spPr>
-        <p:style>
-          <a:lnRef idx="2">
-            <a:schemeClr val="accent1">
-              <a:shade val="50000"/>
-            </a:schemeClr>
-          </a:lnRef>
-          <a:fillRef idx="1">
-            <a:schemeClr val="accent1"/>
-          </a:fillRef>
-          <a:effectRef idx="0">
-            <a:schemeClr val="accent1"/>
-          </a:effectRef>
-          <a:fontRef idx="minor">
-            <a:schemeClr val="lt1"/>
-          </a:fontRef>
-        </p:style>
-        <p:txBody>
-          <a:bodyPr rtlCol="0" anchor="ctr"/>
-          <a:lstStyle/>
-          <a:p>
-            <a:pPr algn="ctr"/>
-            <a:endParaRPr lang="fr-CH"/>
-          </a:p>
-        </p:txBody>
-      </p:sp>
+        </p:grpSpPr>
+        <p:grpSp>
+          <p:nvGrpSpPr>
+            <p:cNvPr id="57" name="Groupe 56"/>
+            <p:cNvGrpSpPr/>
+            <p:nvPr/>
+          </p:nvGrpSpPr>
+          <p:grpSpPr>
+            <a:xfrm>
+              <a:off x="559149" y="17611683"/>
+              <a:ext cx="29156914" cy="9093363"/>
+              <a:chOff x="543864" y="7570848"/>
+              <a:chExt cx="29156914" cy="9093363"/>
+            </a:xfrm>
+          </p:grpSpPr>
+          <p:sp>
+            <p:nvSpPr>
+              <p:cNvPr id="58" name="Rectangle à coins arrondis 57"/>
+              <p:cNvSpPr/>
+              <p:nvPr/>
+            </p:nvSpPr>
+            <p:spPr>
+              <a:xfrm>
+                <a:off x="543864" y="7570848"/>
+                <a:ext cx="29156914" cy="9093363"/>
+              </a:xfrm>
+              <a:prstGeom prst="roundRect">
+                <a:avLst/>
+              </a:prstGeom>
+              <a:solidFill>
+                <a:schemeClr val="accent1">
+                  <a:lumMod val="60000"/>
+                  <a:lumOff val="40000"/>
+                </a:schemeClr>
+              </a:solidFill>
+            </p:spPr>
+            <p:style>
+              <a:lnRef idx="2">
+                <a:schemeClr val="accent1">
+                  <a:shade val="50000"/>
+                </a:schemeClr>
+              </a:lnRef>
+              <a:fillRef idx="1">
+                <a:schemeClr val="accent1"/>
+              </a:fillRef>
+              <a:effectRef idx="0">
+                <a:schemeClr val="accent1"/>
+              </a:effectRef>
+              <a:fontRef idx="minor">
+                <a:schemeClr val="lt1"/>
+              </a:fontRef>
+            </p:style>
+            <p:txBody>
+              <a:bodyPr rtlCol="0" anchor="t"/>
+              <a:lstStyle/>
+              <a:p>
+                <a:pPr algn="ctr"/>
+                <a:r>
+                  <a:rPr lang="fr-CH" b="1" dirty="0">
+                    <a:solidFill>
+                      <a:schemeClr val="tx1"/>
+                    </a:solidFill>
+                  </a:rPr>
+                  <a:t>Vulgarisation mathématique</a:t>
+                </a:r>
+              </a:p>
+            </p:txBody>
+          </p:sp>
+          <p:sp>
+            <p:nvSpPr>
+              <p:cNvPr id="61" name="Rectangle à coins arrondis 60"/>
+              <p:cNvSpPr/>
+              <p:nvPr/>
+            </p:nvSpPr>
+            <p:spPr>
+              <a:xfrm>
+                <a:off x="900715" y="9423474"/>
+                <a:ext cx="10824709" cy="6328455"/>
+              </a:xfrm>
+              <a:prstGeom prst="roundRect">
+                <a:avLst/>
+              </a:prstGeom>
+            </p:spPr>
+            <p:style>
+              <a:lnRef idx="2">
+                <a:schemeClr val="accent1">
+                  <a:shade val="50000"/>
+                </a:schemeClr>
+              </a:lnRef>
+              <a:fillRef idx="1">
+                <a:schemeClr val="accent1"/>
+              </a:fillRef>
+              <a:effectRef idx="0">
+                <a:schemeClr val="accent1"/>
+              </a:effectRef>
+              <a:fontRef idx="minor">
+                <a:schemeClr val="lt1"/>
+              </a:fontRef>
+            </p:style>
+            <p:txBody>
+              <a:bodyPr tIns="36000" bIns="36000" rtlCol="0" anchor="ctr"/>
+              <a:lstStyle/>
+              <a:p>
+                <a:pPr algn="ctr"/>
+                <a:r>
+                  <a:rPr lang="pl-PL" sz="8800" dirty="0"/>
+                  <a:t>x + y + z = 5</a:t>
+                </a:r>
+              </a:p>
+              <a:p>
+                <a:pPr algn="ctr"/>
+                <a:r>
+                  <a:rPr lang="fr-CH" sz="8800" dirty="0"/>
+                  <a:t>  </a:t>
+                </a:r>
+                <a:r>
+                  <a:rPr lang="pl-PL" sz="8800" dirty="0"/>
+                  <a:t>x = 3z</a:t>
+                </a:r>
+                <a:r>
+                  <a:rPr lang="fr-CH" sz="8800" dirty="0"/>
+                  <a:t> – y + </a:t>
+                </a:r>
+                <a:r>
+                  <a:rPr lang="fr-CH" sz="8800" dirty="0" smtClean="0"/>
+                  <a:t>5</a:t>
+                </a:r>
+              </a:p>
+              <a:p>
+                <a:pPr algn="ctr"/>
+                <a:r>
+                  <a:rPr lang="pl-PL" sz="8800" dirty="0" smtClean="0"/>
+                  <a:t>z </a:t>
+                </a:r>
+                <a:r>
+                  <a:rPr lang="pl-PL" sz="8800" dirty="0"/>
+                  <a:t>= </a:t>
+                </a:r>
+                <a:r>
+                  <a:rPr lang="pl-PL" sz="8800" dirty="0" smtClean="0"/>
+                  <a:t>0.5x</a:t>
+                </a:r>
+                <a:endParaRPr lang="fr-CH" sz="8800" dirty="0"/>
+              </a:p>
+            </p:txBody>
+          </p:sp>
+          <p:sp>
+            <p:nvSpPr>
+              <p:cNvPr id="60" name="ZoneTexte 59"/>
+              <p:cNvSpPr txBox="1"/>
+              <p:nvPr/>
+            </p:nvSpPr>
+            <p:spPr>
+              <a:xfrm>
+                <a:off x="15884842" y="11618205"/>
+                <a:ext cx="11279713" cy="1938992"/>
+              </a:xfrm>
+              <a:prstGeom prst="rect">
+                <a:avLst/>
+              </a:prstGeom>
+              <a:noFill/>
+            </p:spPr>
+            <p:txBody>
+              <a:bodyPr wrap="square" rtlCol="0">
+                <a:spAutoFit/>
+              </a:bodyPr>
+              <a:lstStyle/>
+              <a:p>
+                <a:r>
+                  <a:rPr lang="fr-CH" sz="6000" dirty="0"/>
+                  <a:t>Vous traduisez le problème en un système d’équations linéaire.</a:t>
+                </a:r>
+              </a:p>
+            </p:txBody>
+          </p:sp>
+        </p:grpSp>
+        <p:grpSp>
+          <p:nvGrpSpPr>
+            <p:cNvPr id="56" name="Groupe 55"/>
+            <p:cNvGrpSpPr/>
+            <p:nvPr/>
+          </p:nvGrpSpPr>
+          <p:grpSpPr>
+            <a:xfrm>
+              <a:off x="543864" y="7570848"/>
+              <a:ext cx="29444131" cy="9093363"/>
+              <a:chOff x="543864" y="7570848"/>
+              <a:chExt cx="29444131" cy="9093363"/>
+            </a:xfrm>
+          </p:grpSpPr>
+          <p:sp>
+            <p:nvSpPr>
+              <p:cNvPr id="49" name="Rectangle à coins arrondis 48"/>
+              <p:cNvSpPr/>
+              <p:nvPr/>
+            </p:nvSpPr>
+            <p:spPr>
+              <a:xfrm>
+                <a:off x="543864" y="7570848"/>
+                <a:ext cx="29156914" cy="9093363"/>
+              </a:xfrm>
+              <a:prstGeom prst="roundRect">
+                <a:avLst/>
+              </a:prstGeom>
+              <a:solidFill>
+                <a:schemeClr val="accent1">
+                  <a:lumMod val="60000"/>
+                  <a:lumOff val="40000"/>
+                </a:schemeClr>
+              </a:solidFill>
+            </p:spPr>
+            <p:style>
+              <a:lnRef idx="2">
+                <a:schemeClr val="accent1">
+                  <a:shade val="50000"/>
+                </a:schemeClr>
+              </a:lnRef>
+              <a:fillRef idx="1">
+                <a:schemeClr val="accent1"/>
+              </a:fillRef>
+              <a:effectRef idx="0">
+                <a:schemeClr val="accent1"/>
+              </a:effectRef>
+              <a:fontRef idx="minor">
+                <a:schemeClr val="lt1"/>
+              </a:fontRef>
+            </p:style>
+            <p:txBody>
+              <a:bodyPr rtlCol="0" anchor="t"/>
+              <a:lstStyle/>
+              <a:p>
+                <a:pPr algn="ctr"/>
+                <a:r>
+                  <a:rPr lang="fr-CH" b="1" dirty="0" smtClean="0">
+                    <a:solidFill>
+                      <a:schemeClr val="tx1"/>
+                    </a:solidFill>
+                  </a:rPr>
+                  <a:t>Description du problème</a:t>
+                </a:r>
+                <a:endParaRPr lang="fr-CH" b="1" dirty="0">
+                  <a:solidFill>
+                    <a:schemeClr val="tx1"/>
+                  </a:solidFill>
+                </a:endParaRPr>
+              </a:p>
+            </p:txBody>
+          </p:sp>
+          <p:grpSp>
+            <p:nvGrpSpPr>
+              <p:cNvPr id="25" name="Groupe 24"/>
+              <p:cNvGrpSpPr/>
+              <p:nvPr/>
+            </p:nvGrpSpPr>
+            <p:grpSpPr>
+              <a:xfrm>
+                <a:off x="900715" y="9423474"/>
+                <a:ext cx="17467290" cy="6328455"/>
+                <a:chOff x="14233916" y="10551704"/>
+                <a:chExt cx="17467290" cy="6450569"/>
+              </a:xfrm>
+            </p:grpSpPr>
+            <p:sp>
+              <p:nvSpPr>
+                <p:cNvPr id="8" name="Rectangle à coins arrondis 7"/>
+                <p:cNvSpPr/>
+                <p:nvPr/>
+              </p:nvSpPr>
+              <p:spPr>
+                <a:xfrm>
+                  <a:off x="14233916" y="10551704"/>
+                  <a:ext cx="17467290" cy="6450569"/>
+                </a:xfrm>
+                <a:prstGeom prst="roundRect">
+                  <a:avLst/>
+                </a:prstGeom>
+              </p:spPr>
+              <p:style>
+                <a:lnRef idx="2">
+                  <a:schemeClr val="accent1">
+                    <a:shade val="50000"/>
+                  </a:schemeClr>
+                </a:lnRef>
+                <a:fillRef idx="1">
+                  <a:schemeClr val="accent1"/>
+                </a:fillRef>
+                <a:effectRef idx="0">
+                  <a:schemeClr val="accent1"/>
+                </a:effectRef>
+                <a:fontRef idx="minor">
+                  <a:schemeClr val="lt1"/>
+                </a:fontRef>
+              </p:style>
+              <p:txBody>
+                <a:bodyPr tIns="36000" bIns="36000" rtlCol="0" anchor="ctr"/>
+                <a:lstStyle/>
+                <a:p>
+                  <a:pPr algn="ctr"/>
+                  <a:endParaRPr lang="fr-CH" sz="4800" dirty="0">
+                    <a:solidFill>
+                      <a:schemeClr val="bg1"/>
+                    </a:solidFill>
+                  </a:endParaRPr>
+                </a:p>
+              </p:txBody>
+            </p:sp>
+            <p:sp>
+              <p:nvSpPr>
+                <p:cNvPr id="5" name="ZoneTexte 4"/>
+                <p:cNvSpPr txBox="1"/>
+                <p:nvPr/>
+              </p:nvSpPr>
+              <p:spPr>
+                <a:xfrm>
+                  <a:off x="15173507" y="11517458"/>
+                  <a:ext cx="16036938" cy="4611616"/>
+                </a:xfrm>
+                <a:prstGeom prst="rect">
+                  <a:avLst/>
+                </a:prstGeom>
+                <a:noFill/>
+              </p:spPr>
+              <p:txBody>
+                <a:bodyPr wrap="square" rtlCol="0">
+                  <a:spAutoFit/>
+                </a:bodyPr>
+                <a:lstStyle/>
+                <a:p>
+                  <a:pPr algn="just"/>
+                  <a:r>
+                    <a:rPr lang="fr-CH" sz="4800" dirty="0">
+                      <a:solidFill>
+                        <a:schemeClr val="bg1"/>
+                      </a:solidFill>
+                    </a:rPr>
+                    <a:t>Vous voulez construire 3 étagères et vous avez 5 mètres de bois.</a:t>
+                  </a:r>
+                </a:p>
+                <a:p>
+                  <a:pPr algn="just"/>
+                  <a:r>
+                    <a:rPr lang="fr-CH" sz="4800" dirty="0">
+                      <a:solidFill>
+                        <a:schemeClr val="bg1"/>
+                      </a:solidFill>
+                    </a:rPr>
+                    <a:t>La longueur de la 1ère étagère doit être supérieure de 5 mètres au triple de la longueur de la 3éme étagère moins la longueur de la 2ème.</a:t>
+                  </a:r>
+                </a:p>
+                <a:p>
+                  <a:pPr algn="just"/>
+                  <a:r>
+                    <a:rPr lang="fr-CH" sz="4800" dirty="0">
+                      <a:solidFill>
+                        <a:schemeClr val="bg1"/>
+                      </a:solidFill>
+                    </a:rPr>
+                    <a:t>L</a:t>
+                  </a:r>
+                  <a:r>
+                    <a:rPr lang="fr-CH" sz="4800" dirty="0" smtClean="0">
+                      <a:solidFill>
+                        <a:schemeClr val="bg1"/>
+                      </a:solidFill>
+                    </a:rPr>
+                    <a:t>a </a:t>
+                  </a:r>
+                  <a:r>
+                    <a:rPr lang="fr-CH" sz="4800" dirty="0">
+                      <a:solidFill>
+                        <a:schemeClr val="bg1"/>
+                      </a:solidFill>
+                    </a:rPr>
+                    <a:t>3e </a:t>
+                  </a:r>
+                  <a:r>
+                    <a:rPr lang="fr-CH" sz="4800">
+                      <a:solidFill>
+                        <a:schemeClr val="bg1"/>
+                      </a:solidFill>
+                    </a:rPr>
+                    <a:t>étagère </a:t>
+                  </a:r>
+                  <a:r>
+                    <a:rPr lang="fr-CH" sz="4800" smtClean="0">
+                      <a:solidFill>
+                        <a:schemeClr val="bg1"/>
+                      </a:solidFill>
+                    </a:rPr>
+                    <a:t>doit être 2 </a:t>
+                  </a:r>
+                  <a:r>
+                    <a:rPr lang="fr-CH" sz="4800" dirty="0">
+                      <a:solidFill>
+                        <a:schemeClr val="bg1"/>
+                      </a:solidFill>
+                    </a:rPr>
+                    <a:t>fois plus petite que la </a:t>
+                  </a:r>
+                  <a:r>
+                    <a:rPr lang="fr-CH" sz="4800" dirty="0" smtClean="0">
+                      <a:solidFill>
+                        <a:schemeClr val="bg1"/>
+                      </a:solidFill>
+                    </a:rPr>
+                    <a:t>1ére </a:t>
+                  </a:r>
+                  <a:r>
+                    <a:rPr lang="fr-CH" sz="4800" dirty="0">
+                      <a:solidFill>
+                        <a:schemeClr val="bg1"/>
+                      </a:solidFill>
+                    </a:rPr>
+                    <a:t>étagère.</a:t>
+                  </a:r>
+                </a:p>
+                <a:p>
+                  <a:pPr algn="just"/>
+                  <a:endParaRPr lang="fr-CH" sz="4800" dirty="0"/>
+                </a:p>
+              </p:txBody>
+            </p:sp>
+          </p:grpSp>
+          <p:sp>
+            <p:nvSpPr>
+              <p:cNvPr id="26" name="ZoneTexte 25"/>
+              <p:cNvSpPr txBox="1"/>
+              <p:nvPr/>
+            </p:nvSpPr>
+            <p:spPr>
+              <a:xfrm>
+                <a:off x="18708282" y="10972001"/>
+                <a:ext cx="11279713" cy="2862322"/>
+              </a:xfrm>
+              <a:prstGeom prst="rect">
+                <a:avLst/>
+              </a:prstGeom>
+              <a:noFill/>
+            </p:spPr>
+            <p:txBody>
+              <a:bodyPr wrap="square" rtlCol="0">
+                <a:spAutoFit/>
+              </a:bodyPr>
+              <a:lstStyle/>
+              <a:p>
+                <a:r>
+                  <a:rPr lang="fr-CH" sz="6000" dirty="0" smtClean="0"/>
+                  <a:t>Ne </a:t>
+                </a:r>
+                <a:r>
+                  <a:rPr lang="fr-CH" sz="6000" dirty="0"/>
+                  <a:t>vous affolez pas ! Ce problème peut aisément être résolu à l'aide de simple système </a:t>
+                </a:r>
+              </a:p>
+            </p:txBody>
+          </p:sp>
+        </p:grpSp>
+        <p:sp>
+          <p:nvSpPr>
+            <p:cNvPr id="48" name="Flèche vers le bas 47"/>
+            <p:cNvSpPr/>
+            <p:nvPr/>
+          </p:nvSpPr>
+          <p:spPr>
+            <a:xfrm>
+              <a:off x="3972798" y="16075585"/>
+              <a:ext cx="2929348" cy="3047026"/>
+            </a:xfrm>
+            <a:prstGeom prst="downArrow">
+              <a:avLst/>
+            </a:prstGeom>
+          </p:spPr>
+          <p:style>
+            <a:lnRef idx="2">
+              <a:schemeClr val="accent1">
+                <a:shade val="50000"/>
+              </a:schemeClr>
+            </a:lnRef>
+            <a:fillRef idx="1">
+              <a:schemeClr val="accent1"/>
+            </a:fillRef>
+            <a:effectRef idx="0">
+              <a:schemeClr val="accent1"/>
+            </a:effectRef>
+            <a:fontRef idx="minor">
+              <a:schemeClr val="lt1"/>
+            </a:fontRef>
+          </p:style>
+          <p:txBody>
+            <a:bodyPr rtlCol="0" anchor="ctr"/>
+            <a:lstStyle/>
+            <a:p>
+              <a:pPr algn="ctr"/>
+              <a:endParaRPr lang="fr-CH"/>
+            </a:p>
+          </p:txBody>
+        </p:sp>
+        <p:grpSp>
+          <p:nvGrpSpPr>
+            <p:cNvPr id="34" name="Groupe 33"/>
+            <p:cNvGrpSpPr/>
+            <p:nvPr/>
+          </p:nvGrpSpPr>
+          <p:grpSpPr>
+            <a:xfrm>
+              <a:off x="465382" y="27677186"/>
+              <a:ext cx="29156914" cy="9093363"/>
+              <a:chOff x="543864" y="7570848"/>
+              <a:chExt cx="29156914" cy="9093363"/>
+            </a:xfrm>
+          </p:grpSpPr>
+          <p:sp>
+            <p:nvSpPr>
+              <p:cNvPr id="35" name="Rectangle à coins arrondis 34"/>
+              <p:cNvSpPr/>
+              <p:nvPr/>
+            </p:nvSpPr>
+            <p:spPr>
+              <a:xfrm>
+                <a:off x="543864" y="7570848"/>
+                <a:ext cx="29156914" cy="9093363"/>
+              </a:xfrm>
+              <a:prstGeom prst="roundRect">
+                <a:avLst/>
+              </a:prstGeom>
+              <a:solidFill>
+                <a:schemeClr val="accent1">
+                  <a:lumMod val="60000"/>
+                  <a:lumOff val="40000"/>
+                </a:schemeClr>
+              </a:solidFill>
+            </p:spPr>
+            <p:style>
+              <a:lnRef idx="2">
+                <a:schemeClr val="accent1">
+                  <a:shade val="50000"/>
+                </a:schemeClr>
+              </a:lnRef>
+              <a:fillRef idx="1">
+                <a:schemeClr val="accent1"/>
+              </a:fillRef>
+              <a:effectRef idx="0">
+                <a:schemeClr val="accent1"/>
+              </a:effectRef>
+              <a:fontRef idx="minor">
+                <a:schemeClr val="lt1"/>
+              </a:fontRef>
+            </p:style>
+            <p:txBody>
+              <a:bodyPr rtlCol="0" anchor="t"/>
+              <a:lstStyle/>
+              <a:p>
+                <a:pPr algn="ctr"/>
+                <a:r>
+                  <a:rPr lang="fr-CH" b="1" dirty="0" smtClean="0">
+                    <a:solidFill>
+                      <a:schemeClr val="tx1"/>
+                    </a:solidFill>
+                  </a:rPr>
+                  <a:t>Résolution algébrique</a:t>
+                </a:r>
+                <a:endParaRPr lang="fr-CH" b="1" dirty="0">
+                  <a:solidFill>
+                    <a:schemeClr val="tx1"/>
+                  </a:solidFill>
+                </a:endParaRPr>
+              </a:p>
+            </p:txBody>
+          </p:sp>
+          <p:sp>
+            <p:nvSpPr>
+              <p:cNvPr id="39" name="Rectangle à coins arrondis 38"/>
+              <p:cNvSpPr/>
+              <p:nvPr/>
+            </p:nvSpPr>
+            <p:spPr>
+              <a:xfrm>
+                <a:off x="900715" y="9423474"/>
+                <a:ext cx="10824709" cy="6328455"/>
+              </a:xfrm>
+              <a:prstGeom prst="roundRect">
+                <a:avLst/>
+              </a:prstGeom>
+            </p:spPr>
+            <p:style>
+              <a:lnRef idx="2">
+                <a:schemeClr val="accent1">
+                  <a:shade val="50000"/>
+                </a:schemeClr>
+              </a:lnRef>
+              <a:fillRef idx="1">
+                <a:schemeClr val="accent1"/>
+              </a:fillRef>
+              <a:effectRef idx="0">
+                <a:schemeClr val="accent1"/>
+              </a:effectRef>
+              <a:fontRef idx="minor">
+                <a:schemeClr val="lt1"/>
+              </a:fontRef>
+            </p:style>
+            <p:txBody>
+              <a:bodyPr tIns="36000" bIns="36000" rtlCol="0" anchor="ctr"/>
+              <a:lstStyle/>
+              <a:p>
+                <a:pPr algn="ctr"/>
+                <a:r>
+                  <a:rPr lang="fr-CH" sz="8800" dirty="0"/>
+                  <a:t>x = 1.6 mètres</a:t>
+                </a:r>
+              </a:p>
+              <a:p>
+                <a:pPr algn="ctr"/>
+                <a:r>
+                  <a:rPr lang="fr-CH" sz="8800" dirty="0"/>
+                  <a:t>y = 2.6 mètres</a:t>
+                </a:r>
+              </a:p>
+              <a:p>
+                <a:pPr algn="ctr"/>
+                <a:r>
+                  <a:rPr lang="fr-CH" sz="8800" dirty="0"/>
+                  <a:t>z = 0.8 mètre</a:t>
+                </a:r>
+              </a:p>
+            </p:txBody>
+          </p:sp>
+          <p:sp>
+            <p:nvSpPr>
+              <p:cNvPr id="42" name="ZoneTexte 41"/>
+              <p:cNvSpPr txBox="1"/>
+              <p:nvPr/>
+            </p:nvSpPr>
+            <p:spPr>
+              <a:xfrm>
+                <a:off x="15884842" y="11618205"/>
+                <a:ext cx="11279713" cy="2862322"/>
+              </a:xfrm>
+              <a:prstGeom prst="rect">
+                <a:avLst/>
+              </a:prstGeom>
+              <a:noFill/>
+            </p:spPr>
+            <p:txBody>
+              <a:bodyPr wrap="square" rtlCol="0">
+                <a:spAutoFit/>
+              </a:bodyPr>
+              <a:lstStyle/>
+              <a:p>
+                <a:r>
+                  <a:rPr lang="fr-CH" sz="6000" dirty="0"/>
+                  <a:t>Vous avez résolu le système à l’aide de notre programme.</a:t>
+                </a:r>
+              </a:p>
+              <a:p>
+                <a:r>
+                  <a:rPr lang="fr-CH" sz="6000" dirty="0" smtClean="0"/>
+                  <a:t>.</a:t>
+                </a:r>
+                <a:endParaRPr lang="fr-CH" sz="6000" dirty="0"/>
+              </a:p>
+            </p:txBody>
+          </p:sp>
+        </p:grpSp>
+        <p:grpSp>
+          <p:nvGrpSpPr>
+            <p:cNvPr id="6" name="Groupe 5"/>
+            <p:cNvGrpSpPr/>
+            <p:nvPr/>
+          </p:nvGrpSpPr>
+          <p:grpSpPr>
+            <a:xfrm>
+              <a:off x="543864" y="37718021"/>
+              <a:ext cx="29156914" cy="11286255"/>
+              <a:chOff x="-31819025" y="10045164"/>
+              <a:chExt cx="29156914" cy="11286255"/>
+            </a:xfrm>
+          </p:grpSpPr>
+          <p:grpSp>
+            <p:nvGrpSpPr>
+              <p:cNvPr id="43" name="Groupe 42"/>
+              <p:cNvGrpSpPr/>
+              <p:nvPr/>
+            </p:nvGrpSpPr>
+            <p:grpSpPr>
+              <a:xfrm>
+                <a:off x="-31819025" y="10045164"/>
+                <a:ext cx="29156914" cy="11141502"/>
+                <a:chOff x="543864" y="7570848"/>
+                <a:chExt cx="29156914" cy="9093363"/>
+              </a:xfrm>
+            </p:grpSpPr>
+            <p:sp>
+              <p:nvSpPr>
+                <p:cNvPr id="44" name="Rectangle à coins arrondis 43"/>
+                <p:cNvSpPr/>
+                <p:nvPr/>
+              </p:nvSpPr>
+              <p:spPr>
+                <a:xfrm>
+                  <a:off x="543864" y="7570848"/>
+                  <a:ext cx="29156914" cy="9093363"/>
+                </a:xfrm>
+                <a:prstGeom prst="roundRect">
+                  <a:avLst/>
+                </a:prstGeom>
+                <a:solidFill>
+                  <a:schemeClr val="accent1">
+                    <a:lumMod val="60000"/>
+                    <a:lumOff val="40000"/>
+                  </a:schemeClr>
+                </a:solidFill>
+              </p:spPr>
+              <p:style>
+                <a:lnRef idx="2">
+                  <a:schemeClr val="accent1">
+                    <a:shade val="50000"/>
+                  </a:schemeClr>
+                </a:lnRef>
+                <a:fillRef idx="1">
+                  <a:schemeClr val="accent1"/>
+                </a:fillRef>
+                <a:effectRef idx="0">
+                  <a:schemeClr val="accent1"/>
+                </a:effectRef>
+                <a:fontRef idx="minor">
+                  <a:schemeClr val="lt1"/>
+                </a:fontRef>
+              </p:style>
+              <p:txBody>
+                <a:bodyPr rtlCol="0" anchor="t"/>
+                <a:lstStyle/>
+                <a:p>
+                  <a:pPr algn="ctr"/>
+                  <a:r>
+                    <a:rPr lang="fr-CH" b="1" dirty="0" smtClean="0">
+                      <a:solidFill>
+                        <a:schemeClr val="tx1"/>
+                      </a:solidFill>
+                    </a:rPr>
+                    <a:t>Visualisation géométrique</a:t>
+                  </a:r>
+                  <a:endParaRPr lang="fr-CH" b="1" dirty="0">
+                    <a:solidFill>
+                      <a:schemeClr val="tx1"/>
+                    </a:solidFill>
+                  </a:endParaRPr>
+                </a:p>
+              </p:txBody>
+            </p:sp>
+            <p:sp>
+              <p:nvSpPr>
+                <p:cNvPr id="46" name="ZoneTexte 45"/>
+                <p:cNvSpPr txBox="1"/>
+                <p:nvPr/>
+              </p:nvSpPr>
+              <p:spPr>
+                <a:xfrm>
+                  <a:off x="15884842" y="11618205"/>
+                  <a:ext cx="11279713" cy="1753900"/>
+                </a:xfrm>
+                <a:prstGeom prst="rect">
+                  <a:avLst/>
+                </a:prstGeom>
+                <a:noFill/>
+              </p:spPr>
+              <p:txBody>
+                <a:bodyPr wrap="square" rtlCol="0">
+                  <a:spAutoFit/>
+                </a:bodyPr>
+                <a:lstStyle/>
+                <a:p>
+                  <a:r>
+                    <a:rPr lang="fr-CH" sz="6000" dirty="0"/>
+                    <a:t>Vous pouvez visualiser la situation pour les système à trois inconnues.</a:t>
+                  </a:r>
+                </a:p>
+              </p:txBody>
+            </p:sp>
+          </p:grpSp>
+          <p:grpSp>
+            <p:nvGrpSpPr>
+              <p:cNvPr id="9" name="Groupe 8"/>
+              <p:cNvGrpSpPr/>
+              <p:nvPr/>
+            </p:nvGrpSpPr>
+            <p:grpSpPr>
+              <a:xfrm>
+                <a:off x="-31337623" y="11997002"/>
+                <a:ext cx="11477663" cy="9334417"/>
+                <a:chOff x="1100619" y="33115039"/>
+                <a:chExt cx="11477663" cy="9514535"/>
+              </a:xfrm>
+            </p:grpSpPr>
+            <p:sp>
+              <p:nvSpPr>
+                <p:cNvPr id="13" name="Rectangle à coins arrondis 12"/>
+                <p:cNvSpPr/>
+                <p:nvPr/>
+              </p:nvSpPr>
+              <p:spPr>
+                <a:xfrm>
+                  <a:off x="1100619" y="33115039"/>
+                  <a:ext cx="11477663" cy="8660336"/>
+                </a:xfrm>
+                <a:prstGeom prst="roundRect">
+                  <a:avLst/>
+                </a:prstGeom>
+              </p:spPr>
+              <p:style>
+                <a:lnRef idx="2">
+                  <a:schemeClr val="accent1">
+                    <a:shade val="50000"/>
+                  </a:schemeClr>
+                </a:lnRef>
+                <a:fillRef idx="1">
+                  <a:schemeClr val="accent1"/>
+                </a:fillRef>
+                <a:effectRef idx="0">
+                  <a:schemeClr val="accent1"/>
+                </a:effectRef>
+                <a:fontRef idx="minor">
+                  <a:schemeClr val="lt1"/>
+                </a:fontRef>
+              </p:style>
+              <p:txBody>
+                <a:bodyPr rtlCol="0" anchor="ctr"/>
+                <a:lstStyle/>
+                <a:p>
+                  <a:pPr algn="ctr"/>
+                  <a:endParaRPr lang="fr-CH" sz="4400" dirty="0"/>
+                </a:p>
+              </p:txBody>
+            </p:sp>
+            <p:pic>
+              <p:nvPicPr>
+                <p:cNvPr id="2" name="Image 1"/>
+                <p:cNvPicPr>
+                  <a:picLocks noChangeAspect="1"/>
+                </p:cNvPicPr>
+                <p:nvPr/>
+              </p:nvPicPr>
+              <p:blipFill>
+                <a:blip r:embed="rId4">
+                  <a:extLst>
+                    <a:ext uri="{28A0092B-C50C-407E-A947-70E740481C1C}">
+                      <a14:useLocalDpi xmlns:a14="http://schemas.microsoft.com/office/drawing/2010/main" val="0"/>
+                    </a:ext>
+                  </a:extLst>
+                </a:blip>
+                <a:stretch>
+                  <a:fillRect/>
+                </a:stretch>
+              </p:blipFill>
+              <p:spPr>
+                <a:xfrm>
+                  <a:off x="2576354" y="33731982"/>
+                  <a:ext cx="8688012" cy="8897592"/>
+                </a:xfrm>
+                <a:prstGeom prst="rect">
+                  <a:avLst/>
+                </a:prstGeom>
+              </p:spPr>
+            </p:pic>
+          </p:grpSp>
+        </p:grpSp>
+        <p:sp>
+          <p:nvSpPr>
+            <p:cNvPr id="51" name="Flèche vers le bas 50"/>
+            <p:cNvSpPr/>
+            <p:nvPr/>
+          </p:nvSpPr>
+          <p:spPr>
+            <a:xfrm>
+              <a:off x="3915659" y="36320201"/>
+              <a:ext cx="2929348" cy="3047026"/>
+            </a:xfrm>
+            <a:prstGeom prst="downArrow">
+              <a:avLst/>
+            </a:prstGeom>
+          </p:spPr>
+          <p:style>
+            <a:lnRef idx="2">
+              <a:schemeClr val="accent1">
+                <a:shade val="50000"/>
+              </a:schemeClr>
+            </a:lnRef>
+            <a:fillRef idx="1">
+              <a:schemeClr val="accent1"/>
+            </a:fillRef>
+            <a:effectRef idx="0">
+              <a:schemeClr val="accent1"/>
+            </a:effectRef>
+            <a:fontRef idx="minor">
+              <a:schemeClr val="lt1"/>
+            </a:fontRef>
+          </p:style>
+          <p:txBody>
+            <a:bodyPr rtlCol="0" anchor="ctr"/>
+            <a:lstStyle/>
+            <a:p>
+              <a:pPr algn="ctr"/>
+              <a:endParaRPr lang="fr-CH"/>
+            </a:p>
+          </p:txBody>
+        </p:sp>
+        <p:sp>
+          <p:nvSpPr>
+            <p:cNvPr id="52" name="Flèche vers le bas 51"/>
+            <p:cNvSpPr/>
+            <p:nvPr/>
+          </p:nvSpPr>
+          <p:spPr>
+            <a:xfrm>
+              <a:off x="4111306" y="26134462"/>
+              <a:ext cx="2929348" cy="3047026"/>
+            </a:xfrm>
+            <a:prstGeom prst="downArrow">
+              <a:avLst/>
+            </a:prstGeom>
+          </p:spPr>
+          <p:style>
+            <a:lnRef idx="2">
+              <a:schemeClr val="accent1">
+                <a:shade val="50000"/>
+              </a:schemeClr>
+            </a:lnRef>
+            <a:fillRef idx="1">
+              <a:schemeClr val="accent1"/>
+            </a:fillRef>
+            <a:effectRef idx="0">
+              <a:schemeClr val="accent1"/>
+            </a:effectRef>
+            <a:fontRef idx="minor">
+              <a:schemeClr val="lt1"/>
+            </a:fontRef>
+          </p:style>
+          <p:txBody>
+            <a:bodyPr rtlCol="0" anchor="ctr"/>
+            <a:lstStyle/>
+            <a:p>
+              <a:pPr algn="ctr"/>
+              <a:endParaRPr lang="fr-CH"/>
+            </a:p>
+          </p:txBody>
+        </p:sp>
+      </p:grpSp>
     </p:spTree>
     <p:extLst>
       <p:ext uri="{BB962C8B-B14F-4D97-AF65-F5344CB8AC3E}">
